--- a/10|2-6/2023-10-6/goi-new.pptx
+++ b/10|2-6/2023-10-6/goi-new.pptx
@@ -2144,7 +2144,7 @@
                   <a:srgbClr val="000000"/>
                 </a:solidFill>
               </a:rPr>
-              <a:t>低下</a:t>
+              <a:t>不足</a:t>
             </a:r>
             <a:endParaRPr lang="en-US" sz="4800" dirty="0"/>
           </a:p>
@@ -2158,7 +2158,7 @@
                   <a:srgbClr val="000000"/>
                 </a:solidFill>
               </a:rPr>
-              <a:t>ていか</a:t>
+              <a:t>ふそく</a:t>
             </a:r>
             <a:endParaRPr lang="en-US" sz="4800" dirty="0"/>
           </a:p>
@@ -2194,7 +2194,7 @@
                   <a:srgbClr val="000000"/>
                 </a:solidFill>
               </a:rPr>
-              <a:t>fall, decline, lowering, deterioration, degradation...</a:t>
+              <a:t>insufficiency, deficiency, shortage, lack, scarcity, deficit | dissatisfaction, discontent, complaint...</a:t>
             </a:r>
             <a:endParaRPr lang="en-US" sz="3600" dirty="0"/>
           </a:p>
@@ -2230,7 +2230,7 @@
                   <a:srgbClr val="000000"/>
                 </a:solidFill>
               </a:rPr>
-              <a:t>541-555</a:t>
+              <a:t>526-540</a:t>
             </a:r>
             <a:endParaRPr lang="en-US" sz="2400" dirty="0"/>
           </a:p>
@@ -2291,7 +2291,7 @@
                   <a:srgbClr val="000000"/>
                 </a:solidFill>
               </a:rPr>
-              <a:t>一部</a:t>
+              <a:t>高まる</a:t>
             </a:r>
             <a:endParaRPr lang="en-US" sz="4800" dirty="0"/>
           </a:p>
@@ -2305,7 +2305,7 @@
                   <a:srgbClr val="000000"/>
                 </a:solidFill>
               </a:rPr>
-              <a:t>いちぶ</a:t>
+              <a:t>たかまる</a:t>
             </a:r>
             <a:endParaRPr lang="en-US" sz="4800" dirty="0"/>
           </a:p>
@@ -2341,7 +2341,7 @@
                   <a:srgbClr val="000000"/>
                 </a:solidFill>
               </a:rPr>
-              <a:t>one part, one portion, one section, some | one copy (e.g. of a document)...</a:t>
+              <a:t>to rise, to swell, to be promoted...</a:t>
             </a:r>
             <a:endParaRPr lang="en-US" sz="3600" dirty="0"/>
           </a:p>
@@ -2377,7 +2377,7 @@
                   <a:srgbClr val="000000"/>
                 </a:solidFill>
               </a:rPr>
-              <a:t>541-555</a:t>
+              <a:t>526-540</a:t>
             </a:r>
             <a:endParaRPr lang="en-US" sz="2400" dirty="0"/>
           </a:p>
@@ -2438,7 +2438,7 @@
                   <a:srgbClr val="000000"/>
                 </a:solidFill>
               </a:rPr>
-              <a:t>重視</a:t>
+              <a:t>言語</a:t>
             </a:r>
             <a:endParaRPr lang="en-US" sz="4800" dirty="0"/>
           </a:p>
@@ -2452,7 +2452,7 @@
                   <a:srgbClr val="000000"/>
                 </a:solidFill>
               </a:rPr>
-              <a:t>じゅうし</a:t>
+              <a:t>げんご</a:t>
             </a:r>
             <a:endParaRPr lang="en-US" sz="4800" dirty="0"/>
           </a:p>
@@ -2488,7 +2488,7 @@
                   <a:srgbClr val="000000"/>
                 </a:solidFill>
               </a:rPr>
-              <a:t>regarding as important, attaching importance to, taking a serious view of, putting emphasis on...</a:t>
+              <a:t>language...</a:t>
             </a:r>
             <a:endParaRPr lang="en-US" sz="3600" dirty="0"/>
           </a:p>
@@ -2524,7 +2524,7 @@
                   <a:srgbClr val="000000"/>
                 </a:solidFill>
               </a:rPr>
-              <a:t>541-555</a:t>
+              <a:t>526-540</a:t>
             </a:r>
             <a:endParaRPr lang="en-US" sz="2400" dirty="0"/>
           </a:p>
@@ -2585,7 +2585,7 @@
                   <a:srgbClr val="000000"/>
                 </a:solidFill>
               </a:rPr>
-              <a:t>以前</a:t>
+              <a:t>深刻</a:t>
             </a:r>
             <a:endParaRPr lang="en-US" sz="4800" dirty="0"/>
           </a:p>
@@ -2599,7 +2599,7 @@
                   <a:srgbClr val="000000"/>
                 </a:solidFill>
               </a:rPr>
-              <a:t>いぜん</a:t>
+              <a:t>しんこく</a:t>
             </a:r>
             <a:endParaRPr lang="en-US" sz="4800" dirty="0"/>
           </a:p>
@@ -2635,7 +2635,7 @@
                   <a:srgbClr val="000000"/>
                 </a:solidFill>
               </a:rPr>
-              <a:t>ago, since, before, previous...</a:t>
+              <a:t>serious, severe, grave, acute...</a:t>
             </a:r>
             <a:endParaRPr lang="en-US" sz="3600" dirty="0"/>
           </a:p>
@@ -2671,7 +2671,7 @@
                   <a:srgbClr val="000000"/>
                 </a:solidFill>
               </a:rPr>
-              <a:t>541-555</a:t>
+              <a:t>526-540</a:t>
             </a:r>
             <a:endParaRPr lang="en-US" sz="2400" dirty="0"/>
           </a:p>
@@ -2732,7 +2732,7 @@
                   <a:srgbClr val="000000"/>
                 </a:solidFill>
               </a:rPr>
-              <a:t>統一</a:t>
+              <a:t>事態</a:t>
             </a:r>
             <a:endParaRPr lang="en-US" sz="4800" dirty="0"/>
           </a:p>
@@ -2746,7 +2746,7 @@
                   <a:srgbClr val="000000"/>
                 </a:solidFill>
               </a:rPr>
-              <a:t>とういつ</a:t>
+              <a:t>じたい</a:t>
             </a:r>
             <a:endParaRPr lang="en-US" sz="4800" dirty="0"/>
           </a:p>
@@ -2782,7 +2782,7 @@
                   <a:srgbClr val="000000"/>
                 </a:solidFill>
               </a:rPr>
-              <a:t>unity, consolidation, uniformity, unification, compatible...</a:t>
+              <a:t>situation, (present) state of affairs, circumstances...</a:t>
             </a:r>
             <a:endParaRPr lang="en-US" sz="3600" dirty="0"/>
           </a:p>
@@ -2818,7 +2818,7 @@
                   <a:srgbClr val="000000"/>
                 </a:solidFill>
               </a:rPr>
-              <a:t>541-555</a:t>
+              <a:t>526-540</a:t>
             </a:r>
             <a:endParaRPr lang="en-US" sz="2400" dirty="0"/>
           </a:p>
@@ -2879,7 +2879,7 @@
                   <a:srgbClr val="000000"/>
                 </a:solidFill>
               </a:rPr>
-              <a:t>各国</a:t>
+              <a:t>生</a:t>
             </a:r>
             <a:endParaRPr lang="en-US" sz="4800" dirty="0"/>
           </a:p>
@@ -2893,7 +2893,7 @@
                   <a:srgbClr val="000000"/>
                 </a:solidFill>
               </a:rPr>
-              <a:t>かっこく</a:t>
+              <a:t>せい</a:t>
             </a:r>
             <a:endParaRPr lang="en-US" sz="4800" dirty="0"/>
           </a:p>
@@ -2929,7 +2929,7 @@
                   <a:srgbClr val="000000"/>
                 </a:solidFill>
               </a:rPr>
-              <a:t>each country, every country, various countries, all countries...</a:t>
+              <a:t>life, living | I, me, myself | student...</a:t>
             </a:r>
             <a:endParaRPr lang="en-US" sz="3600" dirty="0"/>
           </a:p>
@@ -2965,7 +2965,7 @@
                   <a:srgbClr val="000000"/>
                 </a:solidFill>
               </a:rPr>
-              <a:t>541-555</a:t>
+              <a:t>526-540</a:t>
             </a:r>
             <a:endParaRPr lang="en-US" sz="2400" dirty="0"/>
           </a:p>
@@ -3026,7 +3026,7 @@
                   <a:srgbClr val="000000"/>
                 </a:solidFill>
               </a:rPr>
-              <a:t>案</a:t>
+              <a:t>国語</a:t>
             </a:r>
             <a:endParaRPr lang="en-US" sz="4800" dirty="0"/>
           </a:p>
@@ -3040,7 +3040,7 @@
                   <a:srgbClr val="000000"/>
                 </a:solidFill>
               </a:rPr>
-              <a:t>あん</a:t>
+              <a:t>こくご</a:t>
             </a:r>
             <a:endParaRPr lang="en-US" sz="4800" dirty="0"/>
           </a:p>
@@ -3076,7 +3076,7 @@
                   <a:srgbClr val="000000"/>
                 </a:solidFill>
               </a:rPr>
-              <a:t>idea, plan, proposal, suggestion, (government) bill | draft, rough copy | expectation | desk, stand...</a:t>
+              <a:t>national language | Japanese language (esp. as a school subject in Japan) | one's native language, mother tongue | native...</a:t>
             </a:r>
             <a:endParaRPr lang="en-US" sz="3600" dirty="0"/>
           </a:p>
@@ -3112,7 +3112,7 @@
                   <a:srgbClr val="000000"/>
                 </a:solidFill>
               </a:rPr>
-              <a:t>541-555</a:t>
+              <a:t>526-540</a:t>
             </a:r>
             <a:endParaRPr lang="en-US" sz="2400" dirty="0"/>
           </a:p>
@@ -3173,7 +3173,7 @@
                   <a:srgbClr val="000000"/>
                 </a:solidFill>
               </a:rPr>
-              <a:t>向上</a:t>
+              <a:t>受け入れる</a:t>
             </a:r>
             <a:endParaRPr lang="en-US" sz="4800" dirty="0"/>
           </a:p>
@@ -3187,7 +3187,7 @@
                   <a:srgbClr val="000000"/>
                 </a:solidFill>
               </a:rPr>
-              <a:t>こうじょう</a:t>
+              <a:t>うけいれる</a:t>
             </a:r>
             <a:endParaRPr lang="en-US" sz="4800" dirty="0"/>
           </a:p>
@@ -3223,7 +3223,7 @@
                   <a:srgbClr val="000000"/>
                 </a:solidFill>
               </a:rPr>
-              <a:t>elevation, rise, improvement, advancement, progress...</a:t>
+              <a:t>to accept, to receive, to agree...</a:t>
             </a:r>
             <a:endParaRPr lang="en-US" sz="3600" dirty="0"/>
           </a:p>
@@ -3259,7 +3259,7 @@
                   <a:srgbClr val="000000"/>
                 </a:solidFill>
               </a:rPr>
-              <a:t>541-555</a:t>
+              <a:t>526-540</a:t>
             </a:r>
             <a:endParaRPr lang="en-US" sz="2400" dirty="0"/>
           </a:p>
@@ -3320,7 +3320,7 @@
                   <a:srgbClr val="000000"/>
                 </a:solidFill>
               </a:rPr>
-              <a:t>目指す</a:t>
+              <a:t>増やす</a:t>
             </a:r>
             <a:endParaRPr lang="en-US" sz="4800" dirty="0"/>
           </a:p>
@@ -3334,7 +3334,7 @@
                   <a:srgbClr val="000000"/>
                 </a:solidFill>
               </a:rPr>
-              <a:t>めざす</a:t>
+              <a:t>ふやす</a:t>
             </a:r>
             <a:endParaRPr lang="en-US" sz="4800" dirty="0"/>
           </a:p>
@@ -3370,7 +3370,7 @@
                   <a:srgbClr val="000000"/>
                 </a:solidFill>
               </a:rPr>
-              <a:t>to aim at (for, to do, to become), to try for, to have an eye on | to go toward, to head for...</a:t>
+              <a:t>to increase, to add to, to augment...</a:t>
             </a:r>
             <a:endParaRPr lang="en-US" sz="3600" dirty="0"/>
           </a:p>
@@ -3406,7 +3406,7 @@
                   <a:srgbClr val="000000"/>
                 </a:solidFill>
               </a:rPr>
-              <a:t>541-555</a:t>
+              <a:t>526-540</a:t>
             </a:r>
             <a:endParaRPr lang="en-US" sz="2400" dirty="0"/>
           </a:p>
@@ -3467,7 +3467,7 @@
                   <a:srgbClr val="000000"/>
                 </a:solidFill>
               </a:rPr>
-              <a:t>現実</a:t>
+              <a:t>タイプ</a:t>
             </a:r>
             <a:endParaRPr lang="en-US" sz="4800" dirty="0"/>
           </a:p>
@@ -3481,7 +3481,7 @@
                   <a:srgbClr val="000000"/>
                 </a:solidFill>
               </a:rPr>
-              <a:t>げんじつ</a:t>
+              <a:t>undefined</a:t>
             </a:r>
             <a:endParaRPr lang="en-US" sz="4800" dirty="0"/>
           </a:p>
@@ -3517,7 +3517,7 @@
                   <a:srgbClr val="000000"/>
                 </a:solidFill>
               </a:rPr>
-              <a:t>reality, actuality, hard fact...</a:t>
+              <a:t>type, kind, sort, style | type (of person), (ideal) type, one's type | typewriter | typing...</a:t>
             </a:r>
             <a:endParaRPr lang="en-US" sz="3600" dirty="0"/>
           </a:p>
@@ -3553,7 +3553,7 @@
                   <a:srgbClr val="000000"/>
                 </a:solidFill>
               </a:rPr>
-              <a:t>541-555</a:t>
+              <a:t>526-540</a:t>
             </a:r>
             <a:endParaRPr lang="en-US" sz="2400" dirty="0"/>
           </a:p>
@@ -3614,7 +3614,7 @@
                   <a:srgbClr val="000000"/>
                 </a:solidFill>
               </a:rPr>
-              <a:t>客観的</a:t>
+              <a:t>前提</a:t>
             </a:r>
             <a:endParaRPr lang="en-US" sz="4800" dirty="0"/>
           </a:p>
@@ -3628,7 +3628,7 @@
                   <a:srgbClr val="000000"/>
                 </a:solidFill>
               </a:rPr>
-              <a:t>きゃっかんてき</a:t>
+              <a:t>ぜんてい</a:t>
             </a:r>
             <a:endParaRPr lang="en-US" sz="4800" dirty="0"/>
           </a:p>
@@ -3664,7 +3664,7 @@
                   <a:srgbClr val="000000"/>
                 </a:solidFill>
               </a:rPr>
-              <a:t>objective...</a:t>
+              <a:t>condition, assumption, prerequisite, hypothesis | intention, intent, aim, goal | premise (in logic)...</a:t>
             </a:r>
             <a:endParaRPr lang="en-US" sz="3600" dirty="0"/>
           </a:p>
@@ -3700,7 +3700,7 @@
                   <a:srgbClr val="000000"/>
                 </a:solidFill>
               </a:rPr>
-              <a:t>541-555</a:t>
+              <a:t>526-540</a:t>
             </a:r>
             <a:endParaRPr lang="en-US" sz="2400" dirty="0"/>
           </a:p>
@@ -3761,7 +3761,7 @@
                   <a:srgbClr val="000000"/>
                 </a:solidFill>
               </a:rPr>
-              <a:t>提案</a:t>
+              <a:t>中でも</a:t>
             </a:r>
             <a:endParaRPr lang="en-US" sz="4800" dirty="0"/>
           </a:p>
@@ -3775,7 +3775,7 @@
                   <a:srgbClr val="000000"/>
                 </a:solidFill>
               </a:rPr>
-              <a:t>ていあん</a:t>
+              <a:t>なかでも</a:t>
             </a:r>
             <a:endParaRPr lang="en-US" sz="4800" dirty="0"/>
           </a:p>
@@ -3811,7 +3811,7 @@
                   <a:srgbClr val="000000"/>
                 </a:solidFill>
               </a:rPr>
-              <a:t>proposal, proposition, suggestion...</a:t>
+              <a:t>among (other things), especially, particularly, inter alia, above all (else)...</a:t>
             </a:r>
             <a:endParaRPr lang="en-US" sz="3600" dirty="0"/>
           </a:p>
@@ -3847,7 +3847,7 @@
                   <a:srgbClr val="000000"/>
                 </a:solidFill>
               </a:rPr>
-              <a:t>541-555</a:t>
+              <a:t>526-540</a:t>
             </a:r>
             <a:endParaRPr lang="en-US" sz="2400" dirty="0"/>
           </a:p>
@@ -3908,7 +3908,7 @@
                   <a:srgbClr val="000000"/>
                 </a:solidFill>
               </a:rPr>
-              <a:t>対策</a:t>
+              <a:t>大国</a:t>
             </a:r>
             <a:endParaRPr lang="en-US" sz="4800" dirty="0"/>
           </a:p>
@@ -3922,7 +3922,7 @@
                   <a:srgbClr val="000000"/>
                 </a:solidFill>
               </a:rPr>
-              <a:t>たいさく</a:t>
+              <a:t>たいこく</a:t>
             </a:r>
             <a:endParaRPr lang="en-US" sz="4800" dirty="0"/>
           </a:p>
@@ -3958,7 +3958,7 @@
                   <a:srgbClr val="000000"/>
                 </a:solidFill>
               </a:rPr>
-              <a:t>measure, step, countermeasure, counterplan, countermove, strategy, preparation (e.g. for a test)...</a:t>
+              <a:t>large country, major nation, great power | province of the highest rank (ritsuryō system)...</a:t>
             </a:r>
             <a:endParaRPr lang="en-US" sz="3600" dirty="0"/>
           </a:p>
@@ -3994,7 +3994,7 @@
                   <a:srgbClr val="000000"/>
                 </a:solidFill>
               </a:rPr>
-              <a:t>541-555</a:t>
+              <a:t>526-540</a:t>
             </a:r>
             <a:endParaRPr lang="en-US" sz="2400" dirty="0"/>
           </a:p>
@@ -4055,7 +4055,7 @@
                   <a:srgbClr val="000000"/>
                 </a:solidFill>
               </a:rPr>
-              <a:t>背景</a:t>
+              <a:t>力</a:t>
             </a:r>
             <a:endParaRPr lang="en-US" sz="4800" dirty="0"/>
           </a:p>
@@ -4069,7 +4069,7 @@
                   <a:srgbClr val="000000"/>
                 </a:solidFill>
               </a:rPr>
-              <a:t>はいけい</a:t>
+              <a:t>りょく</a:t>
             </a:r>
             <a:endParaRPr lang="en-US" sz="4800" dirty="0"/>
           </a:p>
@@ -4105,7 +4105,7 @@
                   <a:srgbClr val="000000"/>
                 </a:solidFill>
               </a:rPr>
-              <a:t>background, scenery, backdrop, setting | background (of an incident, situation, etc.), circumstances, context | backing, ...</a:t>
+              <a:t>strength, power, proficiency, ability...</a:t>
             </a:r>
             <a:endParaRPr lang="en-US" sz="3600" dirty="0"/>
           </a:p>
@@ -4141,7 +4141,7 @@
                   <a:srgbClr val="000000"/>
                 </a:solidFill>
               </a:rPr>
-              <a:t>541-555</a:t>
+              <a:t>526-540</a:t>
             </a:r>
             <a:endParaRPr lang="en-US" sz="2400" dirty="0"/>
           </a:p>
@@ -4202,7 +4202,7 @@
                   <a:srgbClr val="000000"/>
                 </a:solidFill>
               </a:rPr>
-              <a:t>当然</a:t>
+              <a:t>益々</a:t>
             </a:r>
             <a:endParaRPr lang="en-US" sz="4800" dirty="0"/>
           </a:p>
@@ -4216,7 +4216,7 @@
                   <a:srgbClr val="000000"/>
                 </a:solidFill>
               </a:rPr>
-              <a:t>とうぜん</a:t>
+              <a:t>ますます</a:t>
             </a:r>
             <a:endParaRPr lang="en-US" sz="4800" dirty="0"/>
           </a:p>
@@ -4252,7 +4252,7 @@
                   <a:srgbClr val="000000"/>
                 </a:solidFill>
               </a:rPr>
-              <a:t>natural, right, proper, just, reasonable, appropriate, deserved | naturally, as a matter of course, rightly, deservedly, ...</a:t>
+              <a:t>increasingly, more and more, decreasingly (when declining), less and less...</a:t>
             </a:r>
             <a:endParaRPr lang="en-US" sz="3600" dirty="0"/>
           </a:p>
@@ -4288,7 +4288,7 @@
                   <a:srgbClr val="000000"/>
                 </a:solidFill>
               </a:rPr>
-              <a:t>541-555</a:t>
+              <a:t>526-540</a:t>
             </a:r>
             <a:endParaRPr lang="en-US" sz="2400" dirty="0"/>
           </a:p>

--- a/10|2-6/2023-10-6/goi-new.pptx
+++ b/10|2-6/2023-10-6/goi-new.pptx
@@ -2122,6 +2122,42 @@
         </p:nvSpPr>
         <p:spPr>
           <a:xfrm>
+            <a:off x="0" y="548640"/>
+            <a:ext cx="9144000" cy="1828800"/>
+          </a:xfrm>
+          <a:prstGeom prst="rect">
+            <a:avLst/>
+          </a:prstGeom>
+          <a:noFill/>
+          <a:ln/>
+        </p:spPr>
+        <p:txBody>
+          <a:bodyPr wrap="square" rtlCol="0" anchor="ctr"/>
+          <a:lstStyle/>
+          <a:p>
+            <a:pPr algn="ctr" indent="0" marL="0">
+              <a:buNone/>
+            </a:pPr>
+            <a:r>
+              <a:rPr lang="en-US" sz="4800" dirty="0">
+                <a:solidFill>
+                  <a:srgbClr val="000000"/>
+                </a:solidFill>
+              </a:rPr>
+              <a:t>不足</a:t>
+            </a:r>
+            <a:endParaRPr lang="en-US" sz="4800" dirty="0"/>
+          </a:p>
+        </p:txBody>
+      </p:sp>
+      <p:sp>
+        <p:nvSpPr>
+          <p:cNvPr id="3" name="Text 1"/>
+          <p:cNvSpPr/>
+          <p:nvPr/>
+        </p:nvSpPr>
+        <p:spPr>
+          <a:xfrm>
             <a:off x="0" y="914400"/>
             <a:ext cx="9144000" cy="1828800"/>
           </a:xfrm>
@@ -2138,35 +2174,33 @@
             <a:pPr algn="ctr" indent="0" marL="0">
               <a:buNone/>
             </a:pPr>
-            <a:r>
-              <a:rPr lang="en-US" sz="4800" dirty="0">
-                <a:solidFill>
-                  <a:srgbClr val="000000"/>
-                </a:solidFill>
-              </a:rPr>
-              <a:t>不足</a:t>
-            </a:r>
-            <a:endParaRPr lang="en-US" sz="4800" dirty="0"/>
-          </a:p>
-          <a:p>
-            <a:pPr algn="ctr" indent="0" marL="0">
-              <a:buNone/>
-            </a:pPr>
-            <a:r>
-              <a:rPr lang="en-US" sz="4800" dirty="0">
-                <a:solidFill>
-                  <a:srgbClr val="000000"/>
+            <a:endParaRPr lang="en-US" sz="3600" dirty="0"/>
+          </a:p>
+          <a:p>
+            <a:pPr algn="ctr" indent="0" marL="0">
+              <a:buNone/>
+            </a:pPr>
+            <a:endParaRPr lang="en-US" sz="3600" dirty="0"/>
+          </a:p>
+          <a:p>
+            <a:pPr algn="ctr" indent="0" marL="0">
+              <a:buNone/>
+            </a:pPr>
+            <a:r>
+              <a:rPr lang="en-US" sz="3600" dirty="0">
+                <a:solidFill>
+                  <a:srgbClr val="404040"/>
                 </a:solidFill>
               </a:rPr>
               <a:t>ふそく</a:t>
             </a:r>
-            <a:endParaRPr lang="en-US" sz="4800" dirty="0"/>
-          </a:p>
-        </p:txBody>
-      </p:sp>
-      <p:sp>
-        <p:nvSpPr>
-          <p:cNvPr id="3" name="Text 1"/>
+            <a:endParaRPr lang="en-US" sz="3600" dirty="0"/>
+          </a:p>
+        </p:txBody>
+      </p:sp>
+      <p:sp>
+        <p:nvSpPr>
+          <p:cNvPr id="4" name="Text 2"/>
           <p:cNvSpPr/>
           <p:nvPr/>
         </p:nvSpPr>
@@ -2191,7 +2225,7 @@
             <a:r>
               <a:rPr lang="en-US" sz="3600" dirty="0">
                 <a:solidFill>
-                  <a:srgbClr val="000000"/>
+                  <a:srgbClr val="808080"/>
                 </a:solidFill>
               </a:rPr>
               <a:t>insufficiency, deficiency, shortage, lack, scarcity, deficit | dissatisfaction, discontent, complaint...</a:t>
@@ -2202,32 +2236,32 @@
       </p:sp>
       <p:sp>
         <p:nvSpPr>
-          <p:cNvPr id="4" name="Text 2"/>
-          <p:cNvSpPr/>
-          <p:nvPr/>
-        </p:nvSpPr>
-        <p:spPr>
-          <a:xfrm>
-            <a:off x="0" y="4572000"/>
-            <a:ext cx="7315200" cy="1828800"/>
-          </a:xfrm>
-          <a:prstGeom prst="rect">
-            <a:avLst/>
-          </a:prstGeom>
-          <a:noFill/>
-          <a:ln/>
-        </p:spPr>
-        <p:txBody>
-          <a:bodyPr wrap="square" rtlCol="0" anchor="ctr"/>
-          <a:lstStyle/>
-          <a:p>
-            <a:pPr algn="l" indent="0" marL="0">
+          <p:cNvPr id="5" name="Text 3"/>
+          <p:cNvSpPr/>
+          <p:nvPr/>
+        </p:nvSpPr>
+        <p:spPr>
+          <a:xfrm>
+            <a:off x="0" y="3657600"/>
+            <a:ext cx="8686800" cy="1828800"/>
+          </a:xfrm>
+          <a:prstGeom prst="rect">
+            <a:avLst/>
+          </a:prstGeom>
+          <a:noFill/>
+          <a:ln/>
+        </p:spPr>
+        <p:txBody>
+          <a:bodyPr wrap="square" rtlCol="0" anchor="ctr"/>
+          <a:lstStyle/>
+          <a:p>
+            <a:pPr algn="r" indent="0" marL="0">
               <a:buNone/>
             </a:pPr>
             <a:r>
               <a:rPr lang="en-US" sz="2400" dirty="0">
                 <a:solidFill>
-                  <a:srgbClr val="000000"/>
+                  <a:srgbClr val="808080"/>
                 </a:solidFill>
               </a:rPr>
               <a:t>526-540</a:t>
@@ -2269,6 +2303,42 @@
         </p:nvSpPr>
         <p:spPr>
           <a:xfrm>
+            <a:off x="0" y="548640"/>
+            <a:ext cx="9144000" cy="1828800"/>
+          </a:xfrm>
+          <a:prstGeom prst="rect">
+            <a:avLst/>
+          </a:prstGeom>
+          <a:noFill/>
+          <a:ln/>
+        </p:spPr>
+        <p:txBody>
+          <a:bodyPr wrap="square" rtlCol="0" anchor="ctr"/>
+          <a:lstStyle/>
+          <a:p>
+            <a:pPr algn="ctr" indent="0" marL="0">
+              <a:buNone/>
+            </a:pPr>
+            <a:r>
+              <a:rPr lang="en-US" sz="4800" dirty="0">
+                <a:solidFill>
+                  <a:srgbClr val="000000"/>
+                </a:solidFill>
+              </a:rPr>
+              <a:t>高まる</a:t>
+            </a:r>
+            <a:endParaRPr lang="en-US" sz="4800" dirty="0"/>
+          </a:p>
+        </p:txBody>
+      </p:sp>
+      <p:sp>
+        <p:nvSpPr>
+          <p:cNvPr id="3" name="Text 1"/>
+          <p:cNvSpPr/>
+          <p:nvPr/>
+        </p:nvSpPr>
+        <p:spPr>
+          <a:xfrm>
             <a:off x="0" y="914400"/>
             <a:ext cx="9144000" cy="1828800"/>
           </a:xfrm>
@@ -2285,35 +2355,33 @@
             <a:pPr algn="ctr" indent="0" marL="0">
               <a:buNone/>
             </a:pPr>
-            <a:r>
-              <a:rPr lang="en-US" sz="4800" dirty="0">
-                <a:solidFill>
-                  <a:srgbClr val="000000"/>
-                </a:solidFill>
-              </a:rPr>
-              <a:t>高まる</a:t>
-            </a:r>
-            <a:endParaRPr lang="en-US" sz="4800" dirty="0"/>
-          </a:p>
-          <a:p>
-            <a:pPr algn="ctr" indent="0" marL="0">
-              <a:buNone/>
-            </a:pPr>
-            <a:r>
-              <a:rPr lang="en-US" sz="4800" dirty="0">
-                <a:solidFill>
-                  <a:srgbClr val="000000"/>
+            <a:endParaRPr lang="en-US" sz="3600" dirty="0"/>
+          </a:p>
+          <a:p>
+            <a:pPr algn="ctr" indent="0" marL="0">
+              <a:buNone/>
+            </a:pPr>
+            <a:endParaRPr lang="en-US" sz="3600" dirty="0"/>
+          </a:p>
+          <a:p>
+            <a:pPr algn="ctr" indent="0" marL="0">
+              <a:buNone/>
+            </a:pPr>
+            <a:r>
+              <a:rPr lang="en-US" sz="3600" dirty="0">
+                <a:solidFill>
+                  <a:srgbClr val="404040"/>
                 </a:solidFill>
               </a:rPr>
               <a:t>たかまる</a:t>
             </a:r>
-            <a:endParaRPr lang="en-US" sz="4800" dirty="0"/>
-          </a:p>
-        </p:txBody>
-      </p:sp>
-      <p:sp>
-        <p:nvSpPr>
-          <p:cNvPr id="3" name="Text 1"/>
+            <a:endParaRPr lang="en-US" sz="3600" dirty="0"/>
+          </a:p>
+        </p:txBody>
+      </p:sp>
+      <p:sp>
+        <p:nvSpPr>
+          <p:cNvPr id="4" name="Text 2"/>
           <p:cNvSpPr/>
           <p:nvPr/>
         </p:nvSpPr>
@@ -2338,7 +2406,7 @@
             <a:r>
               <a:rPr lang="en-US" sz="3600" dirty="0">
                 <a:solidFill>
-                  <a:srgbClr val="000000"/>
+                  <a:srgbClr val="808080"/>
                 </a:solidFill>
               </a:rPr>
               <a:t>to rise, to swell, to be promoted...</a:t>
@@ -2349,32 +2417,32 @@
       </p:sp>
       <p:sp>
         <p:nvSpPr>
-          <p:cNvPr id="4" name="Text 2"/>
-          <p:cNvSpPr/>
-          <p:nvPr/>
-        </p:nvSpPr>
-        <p:spPr>
-          <a:xfrm>
-            <a:off x="0" y="4572000"/>
-            <a:ext cx="7315200" cy="1828800"/>
-          </a:xfrm>
-          <a:prstGeom prst="rect">
-            <a:avLst/>
-          </a:prstGeom>
-          <a:noFill/>
-          <a:ln/>
-        </p:spPr>
-        <p:txBody>
-          <a:bodyPr wrap="square" rtlCol="0" anchor="ctr"/>
-          <a:lstStyle/>
-          <a:p>
-            <a:pPr algn="l" indent="0" marL="0">
+          <p:cNvPr id="5" name="Text 3"/>
+          <p:cNvSpPr/>
+          <p:nvPr/>
+        </p:nvSpPr>
+        <p:spPr>
+          <a:xfrm>
+            <a:off x="0" y="3657600"/>
+            <a:ext cx="8686800" cy="1828800"/>
+          </a:xfrm>
+          <a:prstGeom prst="rect">
+            <a:avLst/>
+          </a:prstGeom>
+          <a:noFill/>
+          <a:ln/>
+        </p:spPr>
+        <p:txBody>
+          <a:bodyPr wrap="square" rtlCol="0" anchor="ctr"/>
+          <a:lstStyle/>
+          <a:p>
+            <a:pPr algn="r" indent="0" marL="0">
               <a:buNone/>
             </a:pPr>
             <a:r>
               <a:rPr lang="en-US" sz="2400" dirty="0">
                 <a:solidFill>
-                  <a:srgbClr val="000000"/>
+                  <a:srgbClr val="808080"/>
                 </a:solidFill>
               </a:rPr>
               <a:t>526-540</a:t>
@@ -2416,6 +2484,42 @@
         </p:nvSpPr>
         <p:spPr>
           <a:xfrm>
+            <a:off x="0" y="548640"/>
+            <a:ext cx="9144000" cy="1828800"/>
+          </a:xfrm>
+          <a:prstGeom prst="rect">
+            <a:avLst/>
+          </a:prstGeom>
+          <a:noFill/>
+          <a:ln/>
+        </p:spPr>
+        <p:txBody>
+          <a:bodyPr wrap="square" rtlCol="0" anchor="ctr"/>
+          <a:lstStyle/>
+          <a:p>
+            <a:pPr algn="ctr" indent="0" marL="0">
+              <a:buNone/>
+            </a:pPr>
+            <a:r>
+              <a:rPr lang="en-US" sz="4800" dirty="0">
+                <a:solidFill>
+                  <a:srgbClr val="000000"/>
+                </a:solidFill>
+              </a:rPr>
+              <a:t>言語</a:t>
+            </a:r>
+            <a:endParaRPr lang="en-US" sz="4800" dirty="0"/>
+          </a:p>
+        </p:txBody>
+      </p:sp>
+      <p:sp>
+        <p:nvSpPr>
+          <p:cNvPr id="3" name="Text 1"/>
+          <p:cNvSpPr/>
+          <p:nvPr/>
+        </p:nvSpPr>
+        <p:spPr>
+          <a:xfrm>
             <a:off x="0" y="914400"/>
             <a:ext cx="9144000" cy="1828800"/>
           </a:xfrm>
@@ -2432,35 +2536,33 @@
             <a:pPr algn="ctr" indent="0" marL="0">
               <a:buNone/>
             </a:pPr>
-            <a:r>
-              <a:rPr lang="en-US" sz="4800" dirty="0">
-                <a:solidFill>
-                  <a:srgbClr val="000000"/>
-                </a:solidFill>
-              </a:rPr>
-              <a:t>言語</a:t>
-            </a:r>
-            <a:endParaRPr lang="en-US" sz="4800" dirty="0"/>
-          </a:p>
-          <a:p>
-            <a:pPr algn="ctr" indent="0" marL="0">
-              <a:buNone/>
-            </a:pPr>
-            <a:r>
-              <a:rPr lang="en-US" sz="4800" dirty="0">
-                <a:solidFill>
-                  <a:srgbClr val="000000"/>
+            <a:endParaRPr lang="en-US" sz="3600" dirty="0"/>
+          </a:p>
+          <a:p>
+            <a:pPr algn="ctr" indent="0" marL="0">
+              <a:buNone/>
+            </a:pPr>
+            <a:endParaRPr lang="en-US" sz="3600" dirty="0"/>
+          </a:p>
+          <a:p>
+            <a:pPr algn="ctr" indent="0" marL="0">
+              <a:buNone/>
+            </a:pPr>
+            <a:r>
+              <a:rPr lang="en-US" sz="3600" dirty="0">
+                <a:solidFill>
+                  <a:srgbClr val="404040"/>
                 </a:solidFill>
               </a:rPr>
               <a:t>げんご</a:t>
             </a:r>
-            <a:endParaRPr lang="en-US" sz="4800" dirty="0"/>
-          </a:p>
-        </p:txBody>
-      </p:sp>
-      <p:sp>
-        <p:nvSpPr>
-          <p:cNvPr id="3" name="Text 1"/>
+            <a:endParaRPr lang="en-US" sz="3600" dirty="0"/>
+          </a:p>
+        </p:txBody>
+      </p:sp>
+      <p:sp>
+        <p:nvSpPr>
+          <p:cNvPr id="4" name="Text 2"/>
           <p:cNvSpPr/>
           <p:nvPr/>
         </p:nvSpPr>
@@ -2485,7 +2587,7 @@
             <a:r>
               <a:rPr lang="en-US" sz="3600" dirty="0">
                 <a:solidFill>
-                  <a:srgbClr val="000000"/>
+                  <a:srgbClr val="808080"/>
                 </a:solidFill>
               </a:rPr>
               <a:t>language...</a:t>
@@ -2496,32 +2598,32 @@
       </p:sp>
       <p:sp>
         <p:nvSpPr>
-          <p:cNvPr id="4" name="Text 2"/>
-          <p:cNvSpPr/>
-          <p:nvPr/>
-        </p:nvSpPr>
-        <p:spPr>
-          <a:xfrm>
-            <a:off x="0" y="4572000"/>
-            <a:ext cx="7315200" cy="1828800"/>
-          </a:xfrm>
-          <a:prstGeom prst="rect">
-            <a:avLst/>
-          </a:prstGeom>
-          <a:noFill/>
-          <a:ln/>
-        </p:spPr>
-        <p:txBody>
-          <a:bodyPr wrap="square" rtlCol="0" anchor="ctr"/>
-          <a:lstStyle/>
-          <a:p>
-            <a:pPr algn="l" indent="0" marL="0">
+          <p:cNvPr id="5" name="Text 3"/>
+          <p:cNvSpPr/>
+          <p:nvPr/>
+        </p:nvSpPr>
+        <p:spPr>
+          <a:xfrm>
+            <a:off x="0" y="3657600"/>
+            <a:ext cx="8686800" cy="1828800"/>
+          </a:xfrm>
+          <a:prstGeom prst="rect">
+            <a:avLst/>
+          </a:prstGeom>
+          <a:noFill/>
+          <a:ln/>
+        </p:spPr>
+        <p:txBody>
+          <a:bodyPr wrap="square" rtlCol="0" anchor="ctr"/>
+          <a:lstStyle/>
+          <a:p>
+            <a:pPr algn="r" indent="0" marL="0">
               <a:buNone/>
             </a:pPr>
             <a:r>
               <a:rPr lang="en-US" sz="2400" dirty="0">
                 <a:solidFill>
-                  <a:srgbClr val="000000"/>
+                  <a:srgbClr val="808080"/>
                 </a:solidFill>
               </a:rPr>
               <a:t>526-540</a:t>
@@ -2563,6 +2665,42 @@
         </p:nvSpPr>
         <p:spPr>
           <a:xfrm>
+            <a:off x="0" y="548640"/>
+            <a:ext cx="9144000" cy="1828800"/>
+          </a:xfrm>
+          <a:prstGeom prst="rect">
+            <a:avLst/>
+          </a:prstGeom>
+          <a:noFill/>
+          <a:ln/>
+        </p:spPr>
+        <p:txBody>
+          <a:bodyPr wrap="square" rtlCol="0" anchor="ctr"/>
+          <a:lstStyle/>
+          <a:p>
+            <a:pPr algn="ctr" indent="0" marL="0">
+              <a:buNone/>
+            </a:pPr>
+            <a:r>
+              <a:rPr lang="en-US" sz="4800" dirty="0">
+                <a:solidFill>
+                  <a:srgbClr val="000000"/>
+                </a:solidFill>
+              </a:rPr>
+              <a:t>深刻</a:t>
+            </a:r>
+            <a:endParaRPr lang="en-US" sz="4800" dirty="0"/>
+          </a:p>
+        </p:txBody>
+      </p:sp>
+      <p:sp>
+        <p:nvSpPr>
+          <p:cNvPr id="3" name="Text 1"/>
+          <p:cNvSpPr/>
+          <p:nvPr/>
+        </p:nvSpPr>
+        <p:spPr>
+          <a:xfrm>
             <a:off x="0" y="914400"/>
             <a:ext cx="9144000" cy="1828800"/>
           </a:xfrm>
@@ -2579,35 +2717,33 @@
             <a:pPr algn="ctr" indent="0" marL="0">
               <a:buNone/>
             </a:pPr>
-            <a:r>
-              <a:rPr lang="en-US" sz="4800" dirty="0">
-                <a:solidFill>
-                  <a:srgbClr val="000000"/>
-                </a:solidFill>
-              </a:rPr>
-              <a:t>深刻</a:t>
-            </a:r>
-            <a:endParaRPr lang="en-US" sz="4800" dirty="0"/>
-          </a:p>
-          <a:p>
-            <a:pPr algn="ctr" indent="0" marL="0">
-              <a:buNone/>
-            </a:pPr>
-            <a:r>
-              <a:rPr lang="en-US" sz="4800" dirty="0">
-                <a:solidFill>
-                  <a:srgbClr val="000000"/>
+            <a:endParaRPr lang="en-US" sz="3600" dirty="0"/>
+          </a:p>
+          <a:p>
+            <a:pPr algn="ctr" indent="0" marL="0">
+              <a:buNone/>
+            </a:pPr>
+            <a:endParaRPr lang="en-US" sz="3600" dirty="0"/>
+          </a:p>
+          <a:p>
+            <a:pPr algn="ctr" indent="0" marL="0">
+              <a:buNone/>
+            </a:pPr>
+            <a:r>
+              <a:rPr lang="en-US" sz="3600" dirty="0">
+                <a:solidFill>
+                  <a:srgbClr val="404040"/>
                 </a:solidFill>
               </a:rPr>
               <a:t>しんこく</a:t>
             </a:r>
-            <a:endParaRPr lang="en-US" sz="4800" dirty="0"/>
-          </a:p>
-        </p:txBody>
-      </p:sp>
-      <p:sp>
-        <p:nvSpPr>
-          <p:cNvPr id="3" name="Text 1"/>
+            <a:endParaRPr lang="en-US" sz="3600" dirty="0"/>
+          </a:p>
+        </p:txBody>
+      </p:sp>
+      <p:sp>
+        <p:nvSpPr>
+          <p:cNvPr id="4" name="Text 2"/>
           <p:cNvSpPr/>
           <p:nvPr/>
         </p:nvSpPr>
@@ -2632,7 +2768,7 @@
             <a:r>
               <a:rPr lang="en-US" sz="3600" dirty="0">
                 <a:solidFill>
-                  <a:srgbClr val="000000"/>
+                  <a:srgbClr val="808080"/>
                 </a:solidFill>
               </a:rPr>
               <a:t>serious, severe, grave, acute...</a:t>
@@ -2643,32 +2779,32 @@
       </p:sp>
       <p:sp>
         <p:nvSpPr>
-          <p:cNvPr id="4" name="Text 2"/>
-          <p:cNvSpPr/>
-          <p:nvPr/>
-        </p:nvSpPr>
-        <p:spPr>
-          <a:xfrm>
-            <a:off x="0" y="4572000"/>
-            <a:ext cx="7315200" cy="1828800"/>
-          </a:xfrm>
-          <a:prstGeom prst="rect">
-            <a:avLst/>
-          </a:prstGeom>
-          <a:noFill/>
-          <a:ln/>
-        </p:spPr>
-        <p:txBody>
-          <a:bodyPr wrap="square" rtlCol="0" anchor="ctr"/>
-          <a:lstStyle/>
-          <a:p>
-            <a:pPr algn="l" indent="0" marL="0">
+          <p:cNvPr id="5" name="Text 3"/>
+          <p:cNvSpPr/>
+          <p:nvPr/>
+        </p:nvSpPr>
+        <p:spPr>
+          <a:xfrm>
+            <a:off x="0" y="3657600"/>
+            <a:ext cx="8686800" cy="1828800"/>
+          </a:xfrm>
+          <a:prstGeom prst="rect">
+            <a:avLst/>
+          </a:prstGeom>
+          <a:noFill/>
+          <a:ln/>
+        </p:spPr>
+        <p:txBody>
+          <a:bodyPr wrap="square" rtlCol="0" anchor="ctr"/>
+          <a:lstStyle/>
+          <a:p>
+            <a:pPr algn="r" indent="0" marL="0">
               <a:buNone/>
             </a:pPr>
             <a:r>
               <a:rPr lang="en-US" sz="2400" dirty="0">
                 <a:solidFill>
-                  <a:srgbClr val="000000"/>
+                  <a:srgbClr val="808080"/>
                 </a:solidFill>
               </a:rPr>
               <a:t>526-540</a:t>
@@ -2710,6 +2846,42 @@
         </p:nvSpPr>
         <p:spPr>
           <a:xfrm>
+            <a:off x="0" y="548640"/>
+            <a:ext cx="9144000" cy="1828800"/>
+          </a:xfrm>
+          <a:prstGeom prst="rect">
+            <a:avLst/>
+          </a:prstGeom>
+          <a:noFill/>
+          <a:ln/>
+        </p:spPr>
+        <p:txBody>
+          <a:bodyPr wrap="square" rtlCol="0" anchor="ctr"/>
+          <a:lstStyle/>
+          <a:p>
+            <a:pPr algn="ctr" indent="0" marL="0">
+              <a:buNone/>
+            </a:pPr>
+            <a:r>
+              <a:rPr lang="en-US" sz="4800" dirty="0">
+                <a:solidFill>
+                  <a:srgbClr val="000000"/>
+                </a:solidFill>
+              </a:rPr>
+              <a:t>事態</a:t>
+            </a:r>
+            <a:endParaRPr lang="en-US" sz="4800" dirty="0"/>
+          </a:p>
+        </p:txBody>
+      </p:sp>
+      <p:sp>
+        <p:nvSpPr>
+          <p:cNvPr id="3" name="Text 1"/>
+          <p:cNvSpPr/>
+          <p:nvPr/>
+        </p:nvSpPr>
+        <p:spPr>
+          <a:xfrm>
             <a:off x="0" y="914400"/>
             <a:ext cx="9144000" cy="1828800"/>
           </a:xfrm>
@@ -2726,35 +2898,33 @@
             <a:pPr algn="ctr" indent="0" marL="0">
               <a:buNone/>
             </a:pPr>
-            <a:r>
-              <a:rPr lang="en-US" sz="4800" dirty="0">
-                <a:solidFill>
-                  <a:srgbClr val="000000"/>
-                </a:solidFill>
-              </a:rPr>
-              <a:t>事態</a:t>
-            </a:r>
-            <a:endParaRPr lang="en-US" sz="4800" dirty="0"/>
-          </a:p>
-          <a:p>
-            <a:pPr algn="ctr" indent="0" marL="0">
-              <a:buNone/>
-            </a:pPr>
-            <a:r>
-              <a:rPr lang="en-US" sz="4800" dirty="0">
-                <a:solidFill>
-                  <a:srgbClr val="000000"/>
+            <a:endParaRPr lang="en-US" sz="3600" dirty="0"/>
+          </a:p>
+          <a:p>
+            <a:pPr algn="ctr" indent="0" marL="0">
+              <a:buNone/>
+            </a:pPr>
+            <a:endParaRPr lang="en-US" sz="3600" dirty="0"/>
+          </a:p>
+          <a:p>
+            <a:pPr algn="ctr" indent="0" marL="0">
+              <a:buNone/>
+            </a:pPr>
+            <a:r>
+              <a:rPr lang="en-US" sz="3600" dirty="0">
+                <a:solidFill>
+                  <a:srgbClr val="404040"/>
                 </a:solidFill>
               </a:rPr>
               <a:t>じたい</a:t>
             </a:r>
-            <a:endParaRPr lang="en-US" sz="4800" dirty="0"/>
-          </a:p>
-        </p:txBody>
-      </p:sp>
-      <p:sp>
-        <p:nvSpPr>
-          <p:cNvPr id="3" name="Text 1"/>
+            <a:endParaRPr lang="en-US" sz="3600" dirty="0"/>
+          </a:p>
+        </p:txBody>
+      </p:sp>
+      <p:sp>
+        <p:nvSpPr>
+          <p:cNvPr id="4" name="Text 2"/>
           <p:cNvSpPr/>
           <p:nvPr/>
         </p:nvSpPr>
@@ -2779,7 +2949,7 @@
             <a:r>
               <a:rPr lang="en-US" sz="3600" dirty="0">
                 <a:solidFill>
-                  <a:srgbClr val="000000"/>
+                  <a:srgbClr val="808080"/>
                 </a:solidFill>
               </a:rPr>
               <a:t>situation, (present) state of affairs, circumstances...</a:t>
@@ -2790,32 +2960,32 @@
       </p:sp>
       <p:sp>
         <p:nvSpPr>
-          <p:cNvPr id="4" name="Text 2"/>
-          <p:cNvSpPr/>
-          <p:nvPr/>
-        </p:nvSpPr>
-        <p:spPr>
-          <a:xfrm>
-            <a:off x="0" y="4572000"/>
-            <a:ext cx="7315200" cy="1828800"/>
-          </a:xfrm>
-          <a:prstGeom prst="rect">
-            <a:avLst/>
-          </a:prstGeom>
-          <a:noFill/>
-          <a:ln/>
-        </p:spPr>
-        <p:txBody>
-          <a:bodyPr wrap="square" rtlCol="0" anchor="ctr"/>
-          <a:lstStyle/>
-          <a:p>
-            <a:pPr algn="l" indent="0" marL="0">
+          <p:cNvPr id="5" name="Text 3"/>
+          <p:cNvSpPr/>
+          <p:nvPr/>
+        </p:nvSpPr>
+        <p:spPr>
+          <a:xfrm>
+            <a:off x="0" y="3657600"/>
+            <a:ext cx="8686800" cy="1828800"/>
+          </a:xfrm>
+          <a:prstGeom prst="rect">
+            <a:avLst/>
+          </a:prstGeom>
+          <a:noFill/>
+          <a:ln/>
+        </p:spPr>
+        <p:txBody>
+          <a:bodyPr wrap="square" rtlCol="0" anchor="ctr"/>
+          <a:lstStyle/>
+          <a:p>
+            <a:pPr algn="r" indent="0" marL="0">
               <a:buNone/>
             </a:pPr>
             <a:r>
               <a:rPr lang="en-US" sz="2400" dirty="0">
                 <a:solidFill>
-                  <a:srgbClr val="000000"/>
+                  <a:srgbClr val="808080"/>
                 </a:solidFill>
               </a:rPr>
               <a:t>526-540</a:t>
@@ -2857,6 +3027,42 @@
         </p:nvSpPr>
         <p:spPr>
           <a:xfrm>
+            <a:off x="0" y="548640"/>
+            <a:ext cx="9144000" cy="1828800"/>
+          </a:xfrm>
+          <a:prstGeom prst="rect">
+            <a:avLst/>
+          </a:prstGeom>
+          <a:noFill/>
+          <a:ln/>
+        </p:spPr>
+        <p:txBody>
+          <a:bodyPr wrap="square" rtlCol="0" anchor="ctr"/>
+          <a:lstStyle/>
+          <a:p>
+            <a:pPr algn="ctr" indent="0" marL="0">
+              <a:buNone/>
+            </a:pPr>
+            <a:r>
+              <a:rPr lang="en-US" sz="4800" dirty="0">
+                <a:solidFill>
+                  <a:srgbClr val="000000"/>
+                </a:solidFill>
+              </a:rPr>
+              <a:t>生</a:t>
+            </a:r>
+            <a:endParaRPr lang="en-US" sz="4800" dirty="0"/>
+          </a:p>
+        </p:txBody>
+      </p:sp>
+      <p:sp>
+        <p:nvSpPr>
+          <p:cNvPr id="3" name="Text 1"/>
+          <p:cNvSpPr/>
+          <p:nvPr/>
+        </p:nvSpPr>
+        <p:spPr>
+          <a:xfrm>
             <a:off x="0" y="914400"/>
             <a:ext cx="9144000" cy="1828800"/>
           </a:xfrm>
@@ -2873,35 +3079,33 @@
             <a:pPr algn="ctr" indent="0" marL="0">
               <a:buNone/>
             </a:pPr>
-            <a:r>
-              <a:rPr lang="en-US" sz="4800" dirty="0">
-                <a:solidFill>
-                  <a:srgbClr val="000000"/>
-                </a:solidFill>
-              </a:rPr>
-              <a:t>生</a:t>
-            </a:r>
-            <a:endParaRPr lang="en-US" sz="4800" dirty="0"/>
-          </a:p>
-          <a:p>
-            <a:pPr algn="ctr" indent="0" marL="0">
-              <a:buNone/>
-            </a:pPr>
-            <a:r>
-              <a:rPr lang="en-US" sz="4800" dirty="0">
-                <a:solidFill>
-                  <a:srgbClr val="000000"/>
+            <a:endParaRPr lang="en-US" sz="3600" dirty="0"/>
+          </a:p>
+          <a:p>
+            <a:pPr algn="ctr" indent="0" marL="0">
+              <a:buNone/>
+            </a:pPr>
+            <a:endParaRPr lang="en-US" sz="3600" dirty="0"/>
+          </a:p>
+          <a:p>
+            <a:pPr algn="ctr" indent="0" marL="0">
+              <a:buNone/>
+            </a:pPr>
+            <a:r>
+              <a:rPr lang="en-US" sz="3600" dirty="0">
+                <a:solidFill>
+                  <a:srgbClr val="404040"/>
                 </a:solidFill>
               </a:rPr>
               <a:t>せい</a:t>
             </a:r>
-            <a:endParaRPr lang="en-US" sz="4800" dirty="0"/>
-          </a:p>
-        </p:txBody>
-      </p:sp>
-      <p:sp>
-        <p:nvSpPr>
-          <p:cNvPr id="3" name="Text 1"/>
+            <a:endParaRPr lang="en-US" sz="3600" dirty="0"/>
+          </a:p>
+        </p:txBody>
+      </p:sp>
+      <p:sp>
+        <p:nvSpPr>
+          <p:cNvPr id="4" name="Text 2"/>
           <p:cNvSpPr/>
           <p:nvPr/>
         </p:nvSpPr>
@@ -2926,7 +3130,7 @@
             <a:r>
               <a:rPr lang="en-US" sz="3600" dirty="0">
                 <a:solidFill>
-                  <a:srgbClr val="000000"/>
+                  <a:srgbClr val="808080"/>
                 </a:solidFill>
               </a:rPr>
               <a:t>life, living | I, me, myself | student...</a:t>
@@ -2937,32 +3141,32 @@
       </p:sp>
       <p:sp>
         <p:nvSpPr>
-          <p:cNvPr id="4" name="Text 2"/>
-          <p:cNvSpPr/>
-          <p:nvPr/>
-        </p:nvSpPr>
-        <p:spPr>
-          <a:xfrm>
-            <a:off x="0" y="4572000"/>
-            <a:ext cx="7315200" cy="1828800"/>
-          </a:xfrm>
-          <a:prstGeom prst="rect">
-            <a:avLst/>
-          </a:prstGeom>
-          <a:noFill/>
-          <a:ln/>
-        </p:spPr>
-        <p:txBody>
-          <a:bodyPr wrap="square" rtlCol="0" anchor="ctr"/>
-          <a:lstStyle/>
-          <a:p>
-            <a:pPr algn="l" indent="0" marL="0">
+          <p:cNvPr id="5" name="Text 3"/>
+          <p:cNvSpPr/>
+          <p:nvPr/>
+        </p:nvSpPr>
+        <p:spPr>
+          <a:xfrm>
+            <a:off x="0" y="3657600"/>
+            <a:ext cx="8686800" cy="1828800"/>
+          </a:xfrm>
+          <a:prstGeom prst="rect">
+            <a:avLst/>
+          </a:prstGeom>
+          <a:noFill/>
+          <a:ln/>
+        </p:spPr>
+        <p:txBody>
+          <a:bodyPr wrap="square" rtlCol="0" anchor="ctr"/>
+          <a:lstStyle/>
+          <a:p>
+            <a:pPr algn="r" indent="0" marL="0">
               <a:buNone/>
             </a:pPr>
             <a:r>
               <a:rPr lang="en-US" sz="2400" dirty="0">
                 <a:solidFill>
-                  <a:srgbClr val="000000"/>
+                  <a:srgbClr val="808080"/>
                 </a:solidFill>
               </a:rPr>
               <a:t>526-540</a:t>
@@ -3004,6 +3208,42 @@
         </p:nvSpPr>
         <p:spPr>
           <a:xfrm>
+            <a:off x="0" y="548640"/>
+            <a:ext cx="9144000" cy="1828800"/>
+          </a:xfrm>
+          <a:prstGeom prst="rect">
+            <a:avLst/>
+          </a:prstGeom>
+          <a:noFill/>
+          <a:ln/>
+        </p:spPr>
+        <p:txBody>
+          <a:bodyPr wrap="square" rtlCol="0" anchor="ctr"/>
+          <a:lstStyle/>
+          <a:p>
+            <a:pPr algn="ctr" indent="0" marL="0">
+              <a:buNone/>
+            </a:pPr>
+            <a:r>
+              <a:rPr lang="en-US" sz="4800" dirty="0">
+                <a:solidFill>
+                  <a:srgbClr val="000000"/>
+                </a:solidFill>
+              </a:rPr>
+              <a:t>国語</a:t>
+            </a:r>
+            <a:endParaRPr lang="en-US" sz="4800" dirty="0"/>
+          </a:p>
+        </p:txBody>
+      </p:sp>
+      <p:sp>
+        <p:nvSpPr>
+          <p:cNvPr id="3" name="Text 1"/>
+          <p:cNvSpPr/>
+          <p:nvPr/>
+        </p:nvSpPr>
+        <p:spPr>
+          <a:xfrm>
             <a:off x="0" y="914400"/>
             <a:ext cx="9144000" cy="1828800"/>
           </a:xfrm>
@@ -3020,35 +3260,33 @@
             <a:pPr algn="ctr" indent="0" marL="0">
               <a:buNone/>
             </a:pPr>
-            <a:r>
-              <a:rPr lang="en-US" sz="4800" dirty="0">
-                <a:solidFill>
-                  <a:srgbClr val="000000"/>
-                </a:solidFill>
-              </a:rPr>
-              <a:t>国語</a:t>
-            </a:r>
-            <a:endParaRPr lang="en-US" sz="4800" dirty="0"/>
-          </a:p>
-          <a:p>
-            <a:pPr algn="ctr" indent="0" marL="0">
-              <a:buNone/>
-            </a:pPr>
-            <a:r>
-              <a:rPr lang="en-US" sz="4800" dirty="0">
-                <a:solidFill>
-                  <a:srgbClr val="000000"/>
+            <a:endParaRPr lang="en-US" sz="3600" dirty="0"/>
+          </a:p>
+          <a:p>
+            <a:pPr algn="ctr" indent="0" marL="0">
+              <a:buNone/>
+            </a:pPr>
+            <a:endParaRPr lang="en-US" sz="3600" dirty="0"/>
+          </a:p>
+          <a:p>
+            <a:pPr algn="ctr" indent="0" marL="0">
+              <a:buNone/>
+            </a:pPr>
+            <a:r>
+              <a:rPr lang="en-US" sz="3600" dirty="0">
+                <a:solidFill>
+                  <a:srgbClr val="404040"/>
                 </a:solidFill>
               </a:rPr>
               <a:t>こくご</a:t>
             </a:r>
-            <a:endParaRPr lang="en-US" sz="4800" dirty="0"/>
-          </a:p>
-        </p:txBody>
-      </p:sp>
-      <p:sp>
-        <p:nvSpPr>
-          <p:cNvPr id="3" name="Text 1"/>
+            <a:endParaRPr lang="en-US" sz="3600" dirty="0"/>
+          </a:p>
+        </p:txBody>
+      </p:sp>
+      <p:sp>
+        <p:nvSpPr>
+          <p:cNvPr id="4" name="Text 2"/>
           <p:cNvSpPr/>
           <p:nvPr/>
         </p:nvSpPr>
@@ -3073,7 +3311,7 @@
             <a:r>
               <a:rPr lang="en-US" sz="3600" dirty="0">
                 <a:solidFill>
-                  <a:srgbClr val="000000"/>
+                  <a:srgbClr val="808080"/>
                 </a:solidFill>
               </a:rPr>
               <a:t>national language | Japanese language (esp. as a school subject in Japan) | one's native language, mother tongue | native...</a:t>
@@ -3084,32 +3322,32 @@
       </p:sp>
       <p:sp>
         <p:nvSpPr>
-          <p:cNvPr id="4" name="Text 2"/>
-          <p:cNvSpPr/>
-          <p:nvPr/>
-        </p:nvSpPr>
-        <p:spPr>
-          <a:xfrm>
-            <a:off x="0" y="4572000"/>
-            <a:ext cx="7315200" cy="1828800"/>
-          </a:xfrm>
-          <a:prstGeom prst="rect">
-            <a:avLst/>
-          </a:prstGeom>
-          <a:noFill/>
-          <a:ln/>
-        </p:spPr>
-        <p:txBody>
-          <a:bodyPr wrap="square" rtlCol="0" anchor="ctr"/>
-          <a:lstStyle/>
-          <a:p>
-            <a:pPr algn="l" indent="0" marL="0">
+          <p:cNvPr id="5" name="Text 3"/>
+          <p:cNvSpPr/>
+          <p:nvPr/>
+        </p:nvSpPr>
+        <p:spPr>
+          <a:xfrm>
+            <a:off x="0" y="3657600"/>
+            <a:ext cx="8686800" cy="1828800"/>
+          </a:xfrm>
+          <a:prstGeom prst="rect">
+            <a:avLst/>
+          </a:prstGeom>
+          <a:noFill/>
+          <a:ln/>
+        </p:spPr>
+        <p:txBody>
+          <a:bodyPr wrap="square" rtlCol="0" anchor="ctr"/>
+          <a:lstStyle/>
+          <a:p>
+            <a:pPr algn="r" indent="0" marL="0">
               <a:buNone/>
             </a:pPr>
             <a:r>
               <a:rPr lang="en-US" sz="2400" dirty="0">
                 <a:solidFill>
-                  <a:srgbClr val="000000"/>
+                  <a:srgbClr val="808080"/>
                 </a:solidFill>
               </a:rPr>
               <a:t>526-540</a:t>
@@ -3151,6 +3389,42 @@
         </p:nvSpPr>
         <p:spPr>
           <a:xfrm>
+            <a:off x="0" y="548640"/>
+            <a:ext cx="9144000" cy="1828800"/>
+          </a:xfrm>
+          <a:prstGeom prst="rect">
+            <a:avLst/>
+          </a:prstGeom>
+          <a:noFill/>
+          <a:ln/>
+        </p:spPr>
+        <p:txBody>
+          <a:bodyPr wrap="square" rtlCol="0" anchor="ctr"/>
+          <a:lstStyle/>
+          <a:p>
+            <a:pPr algn="ctr" indent="0" marL="0">
+              <a:buNone/>
+            </a:pPr>
+            <a:r>
+              <a:rPr lang="en-US" sz="4800" dirty="0">
+                <a:solidFill>
+                  <a:srgbClr val="000000"/>
+                </a:solidFill>
+              </a:rPr>
+              <a:t>受け入れる</a:t>
+            </a:r>
+            <a:endParaRPr lang="en-US" sz="4800" dirty="0"/>
+          </a:p>
+        </p:txBody>
+      </p:sp>
+      <p:sp>
+        <p:nvSpPr>
+          <p:cNvPr id="3" name="Text 1"/>
+          <p:cNvSpPr/>
+          <p:nvPr/>
+        </p:nvSpPr>
+        <p:spPr>
+          <a:xfrm>
             <a:off x="0" y="914400"/>
             <a:ext cx="9144000" cy="1828800"/>
           </a:xfrm>
@@ -3167,35 +3441,33 @@
             <a:pPr algn="ctr" indent="0" marL="0">
               <a:buNone/>
             </a:pPr>
-            <a:r>
-              <a:rPr lang="en-US" sz="4800" dirty="0">
-                <a:solidFill>
-                  <a:srgbClr val="000000"/>
-                </a:solidFill>
-              </a:rPr>
-              <a:t>受け入れる</a:t>
-            </a:r>
-            <a:endParaRPr lang="en-US" sz="4800" dirty="0"/>
-          </a:p>
-          <a:p>
-            <a:pPr algn="ctr" indent="0" marL="0">
-              <a:buNone/>
-            </a:pPr>
-            <a:r>
-              <a:rPr lang="en-US" sz="4800" dirty="0">
-                <a:solidFill>
-                  <a:srgbClr val="000000"/>
+            <a:endParaRPr lang="en-US" sz="3600" dirty="0"/>
+          </a:p>
+          <a:p>
+            <a:pPr algn="ctr" indent="0" marL="0">
+              <a:buNone/>
+            </a:pPr>
+            <a:endParaRPr lang="en-US" sz="3600" dirty="0"/>
+          </a:p>
+          <a:p>
+            <a:pPr algn="ctr" indent="0" marL="0">
+              <a:buNone/>
+            </a:pPr>
+            <a:r>
+              <a:rPr lang="en-US" sz="3600" dirty="0">
+                <a:solidFill>
+                  <a:srgbClr val="404040"/>
                 </a:solidFill>
               </a:rPr>
               <a:t>うけいれる</a:t>
             </a:r>
-            <a:endParaRPr lang="en-US" sz="4800" dirty="0"/>
-          </a:p>
-        </p:txBody>
-      </p:sp>
-      <p:sp>
-        <p:nvSpPr>
-          <p:cNvPr id="3" name="Text 1"/>
+            <a:endParaRPr lang="en-US" sz="3600" dirty="0"/>
+          </a:p>
+        </p:txBody>
+      </p:sp>
+      <p:sp>
+        <p:nvSpPr>
+          <p:cNvPr id="4" name="Text 2"/>
           <p:cNvSpPr/>
           <p:nvPr/>
         </p:nvSpPr>
@@ -3220,7 +3492,7 @@
             <a:r>
               <a:rPr lang="en-US" sz="3600" dirty="0">
                 <a:solidFill>
-                  <a:srgbClr val="000000"/>
+                  <a:srgbClr val="808080"/>
                 </a:solidFill>
               </a:rPr>
               <a:t>to accept, to receive, to agree...</a:t>
@@ -3231,32 +3503,32 @@
       </p:sp>
       <p:sp>
         <p:nvSpPr>
-          <p:cNvPr id="4" name="Text 2"/>
-          <p:cNvSpPr/>
-          <p:nvPr/>
-        </p:nvSpPr>
-        <p:spPr>
-          <a:xfrm>
-            <a:off x="0" y="4572000"/>
-            <a:ext cx="7315200" cy="1828800"/>
-          </a:xfrm>
-          <a:prstGeom prst="rect">
-            <a:avLst/>
-          </a:prstGeom>
-          <a:noFill/>
-          <a:ln/>
-        </p:spPr>
-        <p:txBody>
-          <a:bodyPr wrap="square" rtlCol="0" anchor="ctr"/>
-          <a:lstStyle/>
-          <a:p>
-            <a:pPr algn="l" indent="0" marL="0">
+          <p:cNvPr id="5" name="Text 3"/>
+          <p:cNvSpPr/>
+          <p:nvPr/>
+        </p:nvSpPr>
+        <p:spPr>
+          <a:xfrm>
+            <a:off x="0" y="3657600"/>
+            <a:ext cx="8686800" cy="1828800"/>
+          </a:xfrm>
+          <a:prstGeom prst="rect">
+            <a:avLst/>
+          </a:prstGeom>
+          <a:noFill/>
+          <a:ln/>
+        </p:spPr>
+        <p:txBody>
+          <a:bodyPr wrap="square" rtlCol="0" anchor="ctr"/>
+          <a:lstStyle/>
+          <a:p>
+            <a:pPr algn="r" indent="0" marL="0">
               <a:buNone/>
             </a:pPr>
             <a:r>
               <a:rPr lang="en-US" sz="2400" dirty="0">
                 <a:solidFill>
-                  <a:srgbClr val="000000"/>
+                  <a:srgbClr val="808080"/>
                 </a:solidFill>
               </a:rPr>
               <a:t>526-540</a:t>
@@ -3298,6 +3570,42 @@
         </p:nvSpPr>
         <p:spPr>
           <a:xfrm>
+            <a:off x="0" y="548640"/>
+            <a:ext cx="9144000" cy="1828800"/>
+          </a:xfrm>
+          <a:prstGeom prst="rect">
+            <a:avLst/>
+          </a:prstGeom>
+          <a:noFill/>
+          <a:ln/>
+        </p:spPr>
+        <p:txBody>
+          <a:bodyPr wrap="square" rtlCol="0" anchor="ctr"/>
+          <a:lstStyle/>
+          <a:p>
+            <a:pPr algn="ctr" indent="0" marL="0">
+              <a:buNone/>
+            </a:pPr>
+            <a:r>
+              <a:rPr lang="en-US" sz="4800" dirty="0">
+                <a:solidFill>
+                  <a:srgbClr val="000000"/>
+                </a:solidFill>
+              </a:rPr>
+              <a:t>増やす</a:t>
+            </a:r>
+            <a:endParaRPr lang="en-US" sz="4800" dirty="0"/>
+          </a:p>
+        </p:txBody>
+      </p:sp>
+      <p:sp>
+        <p:nvSpPr>
+          <p:cNvPr id="3" name="Text 1"/>
+          <p:cNvSpPr/>
+          <p:nvPr/>
+        </p:nvSpPr>
+        <p:spPr>
+          <a:xfrm>
             <a:off x="0" y="914400"/>
             <a:ext cx="9144000" cy="1828800"/>
           </a:xfrm>
@@ -3314,35 +3622,33 @@
             <a:pPr algn="ctr" indent="0" marL="0">
               <a:buNone/>
             </a:pPr>
-            <a:r>
-              <a:rPr lang="en-US" sz="4800" dirty="0">
-                <a:solidFill>
-                  <a:srgbClr val="000000"/>
-                </a:solidFill>
-              </a:rPr>
-              <a:t>増やす</a:t>
-            </a:r>
-            <a:endParaRPr lang="en-US" sz="4800" dirty="0"/>
-          </a:p>
-          <a:p>
-            <a:pPr algn="ctr" indent="0" marL="0">
-              <a:buNone/>
-            </a:pPr>
-            <a:r>
-              <a:rPr lang="en-US" sz="4800" dirty="0">
-                <a:solidFill>
-                  <a:srgbClr val="000000"/>
+            <a:endParaRPr lang="en-US" sz="3600" dirty="0"/>
+          </a:p>
+          <a:p>
+            <a:pPr algn="ctr" indent="0" marL="0">
+              <a:buNone/>
+            </a:pPr>
+            <a:endParaRPr lang="en-US" sz="3600" dirty="0"/>
+          </a:p>
+          <a:p>
+            <a:pPr algn="ctr" indent="0" marL="0">
+              <a:buNone/>
+            </a:pPr>
+            <a:r>
+              <a:rPr lang="en-US" sz="3600" dirty="0">
+                <a:solidFill>
+                  <a:srgbClr val="404040"/>
                 </a:solidFill>
               </a:rPr>
               <a:t>ふやす</a:t>
             </a:r>
-            <a:endParaRPr lang="en-US" sz="4800" dirty="0"/>
-          </a:p>
-        </p:txBody>
-      </p:sp>
-      <p:sp>
-        <p:nvSpPr>
-          <p:cNvPr id="3" name="Text 1"/>
+            <a:endParaRPr lang="en-US" sz="3600" dirty="0"/>
+          </a:p>
+        </p:txBody>
+      </p:sp>
+      <p:sp>
+        <p:nvSpPr>
+          <p:cNvPr id="4" name="Text 2"/>
           <p:cNvSpPr/>
           <p:nvPr/>
         </p:nvSpPr>
@@ -3367,7 +3673,7 @@
             <a:r>
               <a:rPr lang="en-US" sz="3600" dirty="0">
                 <a:solidFill>
-                  <a:srgbClr val="000000"/>
+                  <a:srgbClr val="808080"/>
                 </a:solidFill>
               </a:rPr>
               <a:t>to increase, to add to, to augment...</a:t>
@@ -3378,32 +3684,32 @@
       </p:sp>
       <p:sp>
         <p:nvSpPr>
-          <p:cNvPr id="4" name="Text 2"/>
-          <p:cNvSpPr/>
-          <p:nvPr/>
-        </p:nvSpPr>
-        <p:spPr>
-          <a:xfrm>
-            <a:off x="0" y="4572000"/>
-            <a:ext cx="7315200" cy="1828800"/>
-          </a:xfrm>
-          <a:prstGeom prst="rect">
-            <a:avLst/>
-          </a:prstGeom>
-          <a:noFill/>
-          <a:ln/>
-        </p:spPr>
-        <p:txBody>
-          <a:bodyPr wrap="square" rtlCol="0" anchor="ctr"/>
-          <a:lstStyle/>
-          <a:p>
-            <a:pPr algn="l" indent="0" marL="0">
+          <p:cNvPr id="5" name="Text 3"/>
+          <p:cNvSpPr/>
+          <p:nvPr/>
+        </p:nvSpPr>
+        <p:spPr>
+          <a:xfrm>
+            <a:off x="0" y="3657600"/>
+            <a:ext cx="8686800" cy="1828800"/>
+          </a:xfrm>
+          <a:prstGeom prst="rect">
+            <a:avLst/>
+          </a:prstGeom>
+          <a:noFill/>
+          <a:ln/>
+        </p:spPr>
+        <p:txBody>
+          <a:bodyPr wrap="square" rtlCol="0" anchor="ctr"/>
+          <a:lstStyle/>
+          <a:p>
+            <a:pPr algn="r" indent="0" marL="0">
               <a:buNone/>
             </a:pPr>
             <a:r>
               <a:rPr lang="en-US" sz="2400" dirty="0">
                 <a:solidFill>
-                  <a:srgbClr val="000000"/>
+                  <a:srgbClr val="808080"/>
                 </a:solidFill>
               </a:rPr>
               <a:t>526-540</a:t>
@@ -3445,6 +3751,42 @@
         </p:nvSpPr>
         <p:spPr>
           <a:xfrm>
+            <a:off x="0" y="548640"/>
+            <a:ext cx="9144000" cy="1828800"/>
+          </a:xfrm>
+          <a:prstGeom prst="rect">
+            <a:avLst/>
+          </a:prstGeom>
+          <a:noFill/>
+          <a:ln/>
+        </p:spPr>
+        <p:txBody>
+          <a:bodyPr wrap="square" rtlCol="0" anchor="ctr"/>
+          <a:lstStyle/>
+          <a:p>
+            <a:pPr algn="ctr" indent="0" marL="0">
+              <a:buNone/>
+            </a:pPr>
+            <a:r>
+              <a:rPr lang="en-US" sz="4800" dirty="0">
+                <a:solidFill>
+                  <a:srgbClr val="000000"/>
+                </a:solidFill>
+              </a:rPr>
+              <a:t>タイプ</a:t>
+            </a:r>
+            <a:endParaRPr lang="en-US" sz="4800" dirty="0"/>
+          </a:p>
+        </p:txBody>
+      </p:sp>
+      <p:sp>
+        <p:nvSpPr>
+          <p:cNvPr id="3" name="Text 1"/>
+          <p:cNvSpPr/>
+          <p:nvPr/>
+        </p:nvSpPr>
+        <p:spPr>
+          <a:xfrm>
             <a:off x="0" y="914400"/>
             <a:ext cx="9144000" cy="1828800"/>
           </a:xfrm>
@@ -3461,35 +3803,33 @@
             <a:pPr algn="ctr" indent="0" marL="0">
               <a:buNone/>
             </a:pPr>
-            <a:r>
-              <a:rPr lang="en-US" sz="4800" dirty="0">
-                <a:solidFill>
-                  <a:srgbClr val="000000"/>
-                </a:solidFill>
-              </a:rPr>
-              <a:t>タイプ</a:t>
-            </a:r>
-            <a:endParaRPr lang="en-US" sz="4800" dirty="0"/>
-          </a:p>
-          <a:p>
-            <a:pPr algn="ctr" indent="0" marL="0">
-              <a:buNone/>
-            </a:pPr>
-            <a:r>
-              <a:rPr lang="en-US" sz="4800" dirty="0">
-                <a:solidFill>
-                  <a:srgbClr val="000000"/>
+            <a:endParaRPr lang="en-US" sz="3600" dirty="0"/>
+          </a:p>
+          <a:p>
+            <a:pPr algn="ctr" indent="0" marL="0">
+              <a:buNone/>
+            </a:pPr>
+            <a:endParaRPr lang="en-US" sz="3600" dirty="0"/>
+          </a:p>
+          <a:p>
+            <a:pPr algn="ctr" indent="0" marL="0">
+              <a:buNone/>
+            </a:pPr>
+            <a:r>
+              <a:rPr lang="en-US" sz="3600" dirty="0">
+                <a:solidFill>
+                  <a:srgbClr val="404040"/>
                 </a:solidFill>
               </a:rPr>
               <a:t>undefined</a:t>
             </a:r>
-            <a:endParaRPr lang="en-US" sz="4800" dirty="0"/>
-          </a:p>
-        </p:txBody>
-      </p:sp>
-      <p:sp>
-        <p:nvSpPr>
-          <p:cNvPr id="3" name="Text 1"/>
+            <a:endParaRPr lang="en-US" sz="3600" dirty="0"/>
+          </a:p>
+        </p:txBody>
+      </p:sp>
+      <p:sp>
+        <p:nvSpPr>
+          <p:cNvPr id="4" name="Text 2"/>
           <p:cNvSpPr/>
           <p:nvPr/>
         </p:nvSpPr>
@@ -3514,7 +3854,7 @@
             <a:r>
               <a:rPr lang="en-US" sz="3600" dirty="0">
                 <a:solidFill>
-                  <a:srgbClr val="000000"/>
+                  <a:srgbClr val="808080"/>
                 </a:solidFill>
               </a:rPr>
               <a:t>type, kind, sort, style | type (of person), (ideal) type, one's type | typewriter | typing...</a:t>
@@ -3525,32 +3865,32 @@
       </p:sp>
       <p:sp>
         <p:nvSpPr>
-          <p:cNvPr id="4" name="Text 2"/>
-          <p:cNvSpPr/>
-          <p:nvPr/>
-        </p:nvSpPr>
-        <p:spPr>
-          <a:xfrm>
-            <a:off x="0" y="4572000"/>
-            <a:ext cx="7315200" cy="1828800"/>
-          </a:xfrm>
-          <a:prstGeom prst="rect">
-            <a:avLst/>
-          </a:prstGeom>
-          <a:noFill/>
-          <a:ln/>
-        </p:spPr>
-        <p:txBody>
-          <a:bodyPr wrap="square" rtlCol="0" anchor="ctr"/>
-          <a:lstStyle/>
-          <a:p>
-            <a:pPr algn="l" indent="0" marL="0">
+          <p:cNvPr id="5" name="Text 3"/>
+          <p:cNvSpPr/>
+          <p:nvPr/>
+        </p:nvSpPr>
+        <p:spPr>
+          <a:xfrm>
+            <a:off x="0" y="3657600"/>
+            <a:ext cx="8686800" cy="1828800"/>
+          </a:xfrm>
+          <a:prstGeom prst="rect">
+            <a:avLst/>
+          </a:prstGeom>
+          <a:noFill/>
+          <a:ln/>
+        </p:spPr>
+        <p:txBody>
+          <a:bodyPr wrap="square" rtlCol="0" anchor="ctr"/>
+          <a:lstStyle/>
+          <a:p>
+            <a:pPr algn="r" indent="0" marL="0">
               <a:buNone/>
             </a:pPr>
             <a:r>
               <a:rPr lang="en-US" sz="2400" dirty="0">
                 <a:solidFill>
-                  <a:srgbClr val="000000"/>
+                  <a:srgbClr val="808080"/>
                 </a:solidFill>
               </a:rPr>
               <a:t>526-540</a:t>
@@ -3592,6 +3932,42 @@
         </p:nvSpPr>
         <p:spPr>
           <a:xfrm>
+            <a:off x="0" y="548640"/>
+            <a:ext cx="9144000" cy="1828800"/>
+          </a:xfrm>
+          <a:prstGeom prst="rect">
+            <a:avLst/>
+          </a:prstGeom>
+          <a:noFill/>
+          <a:ln/>
+        </p:spPr>
+        <p:txBody>
+          <a:bodyPr wrap="square" rtlCol="0" anchor="ctr"/>
+          <a:lstStyle/>
+          <a:p>
+            <a:pPr algn="ctr" indent="0" marL="0">
+              <a:buNone/>
+            </a:pPr>
+            <a:r>
+              <a:rPr lang="en-US" sz="4800" dirty="0">
+                <a:solidFill>
+                  <a:srgbClr val="000000"/>
+                </a:solidFill>
+              </a:rPr>
+              <a:t>前提</a:t>
+            </a:r>
+            <a:endParaRPr lang="en-US" sz="4800" dirty="0"/>
+          </a:p>
+        </p:txBody>
+      </p:sp>
+      <p:sp>
+        <p:nvSpPr>
+          <p:cNvPr id="3" name="Text 1"/>
+          <p:cNvSpPr/>
+          <p:nvPr/>
+        </p:nvSpPr>
+        <p:spPr>
+          <a:xfrm>
             <a:off x="0" y="914400"/>
             <a:ext cx="9144000" cy="1828800"/>
           </a:xfrm>
@@ -3608,35 +3984,33 @@
             <a:pPr algn="ctr" indent="0" marL="0">
               <a:buNone/>
             </a:pPr>
-            <a:r>
-              <a:rPr lang="en-US" sz="4800" dirty="0">
-                <a:solidFill>
-                  <a:srgbClr val="000000"/>
-                </a:solidFill>
-              </a:rPr>
-              <a:t>前提</a:t>
-            </a:r>
-            <a:endParaRPr lang="en-US" sz="4800" dirty="0"/>
-          </a:p>
-          <a:p>
-            <a:pPr algn="ctr" indent="0" marL="0">
-              <a:buNone/>
-            </a:pPr>
-            <a:r>
-              <a:rPr lang="en-US" sz="4800" dirty="0">
-                <a:solidFill>
-                  <a:srgbClr val="000000"/>
+            <a:endParaRPr lang="en-US" sz="3600" dirty="0"/>
+          </a:p>
+          <a:p>
+            <a:pPr algn="ctr" indent="0" marL="0">
+              <a:buNone/>
+            </a:pPr>
+            <a:endParaRPr lang="en-US" sz="3600" dirty="0"/>
+          </a:p>
+          <a:p>
+            <a:pPr algn="ctr" indent="0" marL="0">
+              <a:buNone/>
+            </a:pPr>
+            <a:r>
+              <a:rPr lang="en-US" sz="3600" dirty="0">
+                <a:solidFill>
+                  <a:srgbClr val="404040"/>
                 </a:solidFill>
               </a:rPr>
               <a:t>ぜんてい</a:t>
             </a:r>
-            <a:endParaRPr lang="en-US" sz="4800" dirty="0"/>
-          </a:p>
-        </p:txBody>
-      </p:sp>
-      <p:sp>
-        <p:nvSpPr>
-          <p:cNvPr id="3" name="Text 1"/>
+            <a:endParaRPr lang="en-US" sz="3600" dirty="0"/>
+          </a:p>
+        </p:txBody>
+      </p:sp>
+      <p:sp>
+        <p:nvSpPr>
+          <p:cNvPr id="4" name="Text 2"/>
           <p:cNvSpPr/>
           <p:nvPr/>
         </p:nvSpPr>
@@ -3661,7 +4035,7 @@
             <a:r>
               <a:rPr lang="en-US" sz="3600" dirty="0">
                 <a:solidFill>
-                  <a:srgbClr val="000000"/>
+                  <a:srgbClr val="808080"/>
                 </a:solidFill>
               </a:rPr>
               <a:t>condition, assumption, prerequisite, hypothesis | intention, intent, aim, goal | premise (in logic)...</a:t>
@@ -3672,32 +4046,32 @@
       </p:sp>
       <p:sp>
         <p:nvSpPr>
-          <p:cNvPr id="4" name="Text 2"/>
-          <p:cNvSpPr/>
-          <p:nvPr/>
-        </p:nvSpPr>
-        <p:spPr>
-          <a:xfrm>
-            <a:off x="0" y="4572000"/>
-            <a:ext cx="7315200" cy="1828800"/>
-          </a:xfrm>
-          <a:prstGeom prst="rect">
-            <a:avLst/>
-          </a:prstGeom>
-          <a:noFill/>
-          <a:ln/>
-        </p:spPr>
-        <p:txBody>
-          <a:bodyPr wrap="square" rtlCol="0" anchor="ctr"/>
-          <a:lstStyle/>
-          <a:p>
-            <a:pPr algn="l" indent="0" marL="0">
+          <p:cNvPr id="5" name="Text 3"/>
+          <p:cNvSpPr/>
+          <p:nvPr/>
+        </p:nvSpPr>
+        <p:spPr>
+          <a:xfrm>
+            <a:off x="0" y="3657600"/>
+            <a:ext cx="8686800" cy="1828800"/>
+          </a:xfrm>
+          <a:prstGeom prst="rect">
+            <a:avLst/>
+          </a:prstGeom>
+          <a:noFill/>
+          <a:ln/>
+        </p:spPr>
+        <p:txBody>
+          <a:bodyPr wrap="square" rtlCol="0" anchor="ctr"/>
+          <a:lstStyle/>
+          <a:p>
+            <a:pPr algn="r" indent="0" marL="0">
               <a:buNone/>
             </a:pPr>
             <a:r>
               <a:rPr lang="en-US" sz="2400" dirty="0">
                 <a:solidFill>
-                  <a:srgbClr val="000000"/>
+                  <a:srgbClr val="808080"/>
                 </a:solidFill>
               </a:rPr>
               <a:t>526-540</a:t>
@@ -3739,6 +4113,42 @@
         </p:nvSpPr>
         <p:spPr>
           <a:xfrm>
+            <a:off x="0" y="548640"/>
+            <a:ext cx="9144000" cy="1828800"/>
+          </a:xfrm>
+          <a:prstGeom prst="rect">
+            <a:avLst/>
+          </a:prstGeom>
+          <a:noFill/>
+          <a:ln/>
+        </p:spPr>
+        <p:txBody>
+          <a:bodyPr wrap="square" rtlCol="0" anchor="ctr"/>
+          <a:lstStyle/>
+          <a:p>
+            <a:pPr algn="ctr" indent="0" marL="0">
+              <a:buNone/>
+            </a:pPr>
+            <a:r>
+              <a:rPr lang="en-US" sz="4800" dirty="0">
+                <a:solidFill>
+                  <a:srgbClr val="000000"/>
+                </a:solidFill>
+              </a:rPr>
+              <a:t>中でも</a:t>
+            </a:r>
+            <a:endParaRPr lang="en-US" sz="4800" dirty="0"/>
+          </a:p>
+        </p:txBody>
+      </p:sp>
+      <p:sp>
+        <p:nvSpPr>
+          <p:cNvPr id="3" name="Text 1"/>
+          <p:cNvSpPr/>
+          <p:nvPr/>
+        </p:nvSpPr>
+        <p:spPr>
+          <a:xfrm>
             <a:off x="0" y="914400"/>
             <a:ext cx="9144000" cy="1828800"/>
           </a:xfrm>
@@ -3755,35 +4165,33 @@
             <a:pPr algn="ctr" indent="0" marL="0">
               <a:buNone/>
             </a:pPr>
-            <a:r>
-              <a:rPr lang="en-US" sz="4800" dirty="0">
-                <a:solidFill>
-                  <a:srgbClr val="000000"/>
-                </a:solidFill>
-              </a:rPr>
-              <a:t>中でも</a:t>
-            </a:r>
-            <a:endParaRPr lang="en-US" sz="4800" dirty="0"/>
-          </a:p>
-          <a:p>
-            <a:pPr algn="ctr" indent="0" marL="0">
-              <a:buNone/>
-            </a:pPr>
-            <a:r>
-              <a:rPr lang="en-US" sz="4800" dirty="0">
-                <a:solidFill>
-                  <a:srgbClr val="000000"/>
+            <a:endParaRPr lang="en-US" sz="3600" dirty="0"/>
+          </a:p>
+          <a:p>
+            <a:pPr algn="ctr" indent="0" marL="0">
+              <a:buNone/>
+            </a:pPr>
+            <a:endParaRPr lang="en-US" sz="3600" dirty="0"/>
+          </a:p>
+          <a:p>
+            <a:pPr algn="ctr" indent="0" marL="0">
+              <a:buNone/>
+            </a:pPr>
+            <a:r>
+              <a:rPr lang="en-US" sz="3600" dirty="0">
+                <a:solidFill>
+                  <a:srgbClr val="404040"/>
                 </a:solidFill>
               </a:rPr>
               <a:t>なかでも</a:t>
             </a:r>
-            <a:endParaRPr lang="en-US" sz="4800" dirty="0"/>
-          </a:p>
-        </p:txBody>
-      </p:sp>
-      <p:sp>
-        <p:nvSpPr>
-          <p:cNvPr id="3" name="Text 1"/>
+            <a:endParaRPr lang="en-US" sz="3600" dirty="0"/>
+          </a:p>
+        </p:txBody>
+      </p:sp>
+      <p:sp>
+        <p:nvSpPr>
+          <p:cNvPr id="4" name="Text 2"/>
           <p:cNvSpPr/>
           <p:nvPr/>
         </p:nvSpPr>
@@ -3808,7 +4216,7 @@
             <a:r>
               <a:rPr lang="en-US" sz="3600" dirty="0">
                 <a:solidFill>
-                  <a:srgbClr val="000000"/>
+                  <a:srgbClr val="808080"/>
                 </a:solidFill>
               </a:rPr>
               <a:t>among (other things), especially, particularly, inter alia, above all (else)...</a:t>
@@ -3819,32 +4227,32 @@
       </p:sp>
       <p:sp>
         <p:nvSpPr>
-          <p:cNvPr id="4" name="Text 2"/>
-          <p:cNvSpPr/>
-          <p:nvPr/>
-        </p:nvSpPr>
-        <p:spPr>
-          <a:xfrm>
-            <a:off x="0" y="4572000"/>
-            <a:ext cx="7315200" cy="1828800"/>
-          </a:xfrm>
-          <a:prstGeom prst="rect">
-            <a:avLst/>
-          </a:prstGeom>
-          <a:noFill/>
-          <a:ln/>
-        </p:spPr>
-        <p:txBody>
-          <a:bodyPr wrap="square" rtlCol="0" anchor="ctr"/>
-          <a:lstStyle/>
-          <a:p>
-            <a:pPr algn="l" indent="0" marL="0">
+          <p:cNvPr id="5" name="Text 3"/>
+          <p:cNvSpPr/>
+          <p:nvPr/>
+        </p:nvSpPr>
+        <p:spPr>
+          <a:xfrm>
+            <a:off x="0" y="3657600"/>
+            <a:ext cx="8686800" cy="1828800"/>
+          </a:xfrm>
+          <a:prstGeom prst="rect">
+            <a:avLst/>
+          </a:prstGeom>
+          <a:noFill/>
+          <a:ln/>
+        </p:spPr>
+        <p:txBody>
+          <a:bodyPr wrap="square" rtlCol="0" anchor="ctr"/>
+          <a:lstStyle/>
+          <a:p>
+            <a:pPr algn="r" indent="0" marL="0">
               <a:buNone/>
             </a:pPr>
             <a:r>
               <a:rPr lang="en-US" sz="2400" dirty="0">
                 <a:solidFill>
-                  <a:srgbClr val="000000"/>
+                  <a:srgbClr val="808080"/>
                 </a:solidFill>
               </a:rPr>
               <a:t>526-540</a:t>
@@ -3886,6 +4294,42 @@
         </p:nvSpPr>
         <p:spPr>
           <a:xfrm>
+            <a:off x="0" y="548640"/>
+            <a:ext cx="9144000" cy="1828800"/>
+          </a:xfrm>
+          <a:prstGeom prst="rect">
+            <a:avLst/>
+          </a:prstGeom>
+          <a:noFill/>
+          <a:ln/>
+        </p:spPr>
+        <p:txBody>
+          <a:bodyPr wrap="square" rtlCol="0" anchor="ctr"/>
+          <a:lstStyle/>
+          <a:p>
+            <a:pPr algn="ctr" indent="0" marL="0">
+              <a:buNone/>
+            </a:pPr>
+            <a:r>
+              <a:rPr lang="en-US" sz="4800" dirty="0">
+                <a:solidFill>
+                  <a:srgbClr val="000000"/>
+                </a:solidFill>
+              </a:rPr>
+              <a:t>大国</a:t>
+            </a:r>
+            <a:endParaRPr lang="en-US" sz="4800" dirty="0"/>
+          </a:p>
+        </p:txBody>
+      </p:sp>
+      <p:sp>
+        <p:nvSpPr>
+          <p:cNvPr id="3" name="Text 1"/>
+          <p:cNvSpPr/>
+          <p:nvPr/>
+        </p:nvSpPr>
+        <p:spPr>
+          <a:xfrm>
             <a:off x="0" y="914400"/>
             <a:ext cx="9144000" cy="1828800"/>
           </a:xfrm>
@@ -3902,35 +4346,33 @@
             <a:pPr algn="ctr" indent="0" marL="0">
               <a:buNone/>
             </a:pPr>
-            <a:r>
-              <a:rPr lang="en-US" sz="4800" dirty="0">
-                <a:solidFill>
-                  <a:srgbClr val="000000"/>
-                </a:solidFill>
-              </a:rPr>
-              <a:t>大国</a:t>
-            </a:r>
-            <a:endParaRPr lang="en-US" sz="4800" dirty="0"/>
-          </a:p>
-          <a:p>
-            <a:pPr algn="ctr" indent="0" marL="0">
-              <a:buNone/>
-            </a:pPr>
-            <a:r>
-              <a:rPr lang="en-US" sz="4800" dirty="0">
-                <a:solidFill>
-                  <a:srgbClr val="000000"/>
+            <a:endParaRPr lang="en-US" sz="3600" dirty="0"/>
+          </a:p>
+          <a:p>
+            <a:pPr algn="ctr" indent="0" marL="0">
+              <a:buNone/>
+            </a:pPr>
+            <a:endParaRPr lang="en-US" sz="3600" dirty="0"/>
+          </a:p>
+          <a:p>
+            <a:pPr algn="ctr" indent="0" marL="0">
+              <a:buNone/>
+            </a:pPr>
+            <a:r>
+              <a:rPr lang="en-US" sz="3600" dirty="0">
+                <a:solidFill>
+                  <a:srgbClr val="404040"/>
                 </a:solidFill>
               </a:rPr>
               <a:t>たいこく</a:t>
             </a:r>
-            <a:endParaRPr lang="en-US" sz="4800" dirty="0"/>
-          </a:p>
-        </p:txBody>
-      </p:sp>
-      <p:sp>
-        <p:nvSpPr>
-          <p:cNvPr id="3" name="Text 1"/>
+            <a:endParaRPr lang="en-US" sz="3600" dirty="0"/>
+          </a:p>
+        </p:txBody>
+      </p:sp>
+      <p:sp>
+        <p:nvSpPr>
+          <p:cNvPr id="4" name="Text 2"/>
           <p:cNvSpPr/>
           <p:nvPr/>
         </p:nvSpPr>
@@ -3955,7 +4397,7 @@
             <a:r>
               <a:rPr lang="en-US" sz="3600" dirty="0">
                 <a:solidFill>
-                  <a:srgbClr val="000000"/>
+                  <a:srgbClr val="808080"/>
                 </a:solidFill>
               </a:rPr>
               <a:t>large country, major nation, great power | province of the highest rank (ritsuryō system)...</a:t>
@@ -3966,32 +4408,32 @@
       </p:sp>
       <p:sp>
         <p:nvSpPr>
-          <p:cNvPr id="4" name="Text 2"/>
-          <p:cNvSpPr/>
-          <p:nvPr/>
-        </p:nvSpPr>
-        <p:spPr>
-          <a:xfrm>
-            <a:off x="0" y="4572000"/>
-            <a:ext cx="7315200" cy="1828800"/>
-          </a:xfrm>
-          <a:prstGeom prst="rect">
-            <a:avLst/>
-          </a:prstGeom>
-          <a:noFill/>
-          <a:ln/>
-        </p:spPr>
-        <p:txBody>
-          <a:bodyPr wrap="square" rtlCol="0" anchor="ctr"/>
-          <a:lstStyle/>
-          <a:p>
-            <a:pPr algn="l" indent="0" marL="0">
+          <p:cNvPr id="5" name="Text 3"/>
+          <p:cNvSpPr/>
+          <p:nvPr/>
+        </p:nvSpPr>
+        <p:spPr>
+          <a:xfrm>
+            <a:off x="0" y="3657600"/>
+            <a:ext cx="8686800" cy="1828800"/>
+          </a:xfrm>
+          <a:prstGeom prst="rect">
+            <a:avLst/>
+          </a:prstGeom>
+          <a:noFill/>
+          <a:ln/>
+        </p:spPr>
+        <p:txBody>
+          <a:bodyPr wrap="square" rtlCol="0" anchor="ctr"/>
+          <a:lstStyle/>
+          <a:p>
+            <a:pPr algn="r" indent="0" marL="0">
               <a:buNone/>
             </a:pPr>
             <a:r>
               <a:rPr lang="en-US" sz="2400" dirty="0">
                 <a:solidFill>
-                  <a:srgbClr val="000000"/>
+                  <a:srgbClr val="808080"/>
                 </a:solidFill>
               </a:rPr>
               <a:t>526-540</a:t>
@@ -4033,6 +4475,42 @@
         </p:nvSpPr>
         <p:spPr>
           <a:xfrm>
+            <a:off x="0" y="548640"/>
+            <a:ext cx="9144000" cy="1828800"/>
+          </a:xfrm>
+          <a:prstGeom prst="rect">
+            <a:avLst/>
+          </a:prstGeom>
+          <a:noFill/>
+          <a:ln/>
+        </p:spPr>
+        <p:txBody>
+          <a:bodyPr wrap="square" rtlCol="0" anchor="ctr"/>
+          <a:lstStyle/>
+          <a:p>
+            <a:pPr algn="ctr" indent="0" marL="0">
+              <a:buNone/>
+            </a:pPr>
+            <a:r>
+              <a:rPr lang="en-US" sz="4800" dirty="0">
+                <a:solidFill>
+                  <a:srgbClr val="000000"/>
+                </a:solidFill>
+              </a:rPr>
+              <a:t>力</a:t>
+            </a:r>
+            <a:endParaRPr lang="en-US" sz="4800" dirty="0"/>
+          </a:p>
+        </p:txBody>
+      </p:sp>
+      <p:sp>
+        <p:nvSpPr>
+          <p:cNvPr id="3" name="Text 1"/>
+          <p:cNvSpPr/>
+          <p:nvPr/>
+        </p:nvSpPr>
+        <p:spPr>
+          <a:xfrm>
             <a:off x="0" y="914400"/>
             <a:ext cx="9144000" cy="1828800"/>
           </a:xfrm>
@@ -4049,35 +4527,33 @@
             <a:pPr algn="ctr" indent="0" marL="0">
               <a:buNone/>
             </a:pPr>
-            <a:r>
-              <a:rPr lang="en-US" sz="4800" dirty="0">
-                <a:solidFill>
-                  <a:srgbClr val="000000"/>
-                </a:solidFill>
-              </a:rPr>
-              <a:t>力</a:t>
-            </a:r>
-            <a:endParaRPr lang="en-US" sz="4800" dirty="0"/>
-          </a:p>
-          <a:p>
-            <a:pPr algn="ctr" indent="0" marL="0">
-              <a:buNone/>
-            </a:pPr>
-            <a:r>
-              <a:rPr lang="en-US" sz="4800" dirty="0">
-                <a:solidFill>
-                  <a:srgbClr val="000000"/>
+            <a:endParaRPr lang="en-US" sz="3600" dirty="0"/>
+          </a:p>
+          <a:p>
+            <a:pPr algn="ctr" indent="0" marL="0">
+              <a:buNone/>
+            </a:pPr>
+            <a:endParaRPr lang="en-US" sz="3600" dirty="0"/>
+          </a:p>
+          <a:p>
+            <a:pPr algn="ctr" indent="0" marL="0">
+              <a:buNone/>
+            </a:pPr>
+            <a:r>
+              <a:rPr lang="en-US" sz="3600" dirty="0">
+                <a:solidFill>
+                  <a:srgbClr val="404040"/>
                 </a:solidFill>
               </a:rPr>
               <a:t>りょく</a:t>
             </a:r>
-            <a:endParaRPr lang="en-US" sz="4800" dirty="0"/>
-          </a:p>
-        </p:txBody>
-      </p:sp>
-      <p:sp>
-        <p:nvSpPr>
-          <p:cNvPr id="3" name="Text 1"/>
+            <a:endParaRPr lang="en-US" sz="3600" dirty="0"/>
+          </a:p>
+        </p:txBody>
+      </p:sp>
+      <p:sp>
+        <p:nvSpPr>
+          <p:cNvPr id="4" name="Text 2"/>
           <p:cNvSpPr/>
           <p:nvPr/>
         </p:nvSpPr>
@@ -4102,7 +4578,7 @@
             <a:r>
               <a:rPr lang="en-US" sz="3600" dirty="0">
                 <a:solidFill>
-                  <a:srgbClr val="000000"/>
+                  <a:srgbClr val="808080"/>
                 </a:solidFill>
               </a:rPr>
               <a:t>strength, power, proficiency, ability...</a:t>
@@ -4113,32 +4589,32 @@
       </p:sp>
       <p:sp>
         <p:nvSpPr>
-          <p:cNvPr id="4" name="Text 2"/>
-          <p:cNvSpPr/>
-          <p:nvPr/>
-        </p:nvSpPr>
-        <p:spPr>
-          <a:xfrm>
-            <a:off x="0" y="4572000"/>
-            <a:ext cx="7315200" cy="1828800"/>
-          </a:xfrm>
-          <a:prstGeom prst="rect">
-            <a:avLst/>
-          </a:prstGeom>
-          <a:noFill/>
-          <a:ln/>
-        </p:spPr>
-        <p:txBody>
-          <a:bodyPr wrap="square" rtlCol="0" anchor="ctr"/>
-          <a:lstStyle/>
-          <a:p>
-            <a:pPr algn="l" indent="0" marL="0">
+          <p:cNvPr id="5" name="Text 3"/>
+          <p:cNvSpPr/>
+          <p:nvPr/>
+        </p:nvSpPr>
+        <p:spPr>
+          <a:xfrm>
+            <a:off x="0" y="3657600"/>
+            <a:ext cx="8686800" cy="1828800"/>
+          </a:xfrm>
+          <a:prstGeom prst="rect">
+            <a:avLst/>
+          </a:prstGeom>
+          <a:noFill/>
+          <a:ln/>
+        </p:spPr>
+        <p:txBody>
+          <a:bodyPr wrap="square" rtlCol="0" anchor="ctr"/>
+          <a:lstStyle/>
+          <a:p>
+            <a:pPr algn="r" indent="0" marL="0">
               <a:buNone/>
             </a:pPr>
             <a:r>
               <a:rPr lang="en-US" sz="2400" dirty="0">
                 <a:solidFill>
-                  <a:srgbClr val="000000"/>
+                  <a:srgbClr val="808080"/>
                 </a:solidFill>
               </a:rPr>
               <a:t>526-540</a:t>
@@ -4180,6 +4656,42 @@
         </p:nvSpPr>
         <p:spPr>
           <a:xfrm>
+            <a:off x="0" y="548640"/>
+            <a:ext cx="9144000" cy="1828800"/>
+          </a:xfrm>
+          <a:prstGeom prst="rect">
+            <a:avLst/>
+          </a:prstGeom>
+          <a:noFill/>
+          <a:ln/>
+        </p:spPr>
+        <p:txBody>
+          <a:bodyPr wrap="square" rtlCol="0" anchor="ctr"/>
+          <a:lstStyle/>
+          <a:p>
+            <a:pPr algn="ctr" indent="0" marL="0">
+              <a:buNone/>
+            </a:pPr>
+            <a:r>
+              <a:rPr lang="en-US" sz="4800" dirty="0">
+                <a:solidFill>
+                  <a:srgbClr val="000000"/>
+                </a:solidFill>
+              </a:rPr>
+              <a:t>益々</a:t>
+            </a:r>
+            <a:endParaRPr lang="en-US" sz="4800" dirty="0"/>
+          </a:p>
+        </p:txBody>
+      </p:sp>
+      <p:sp>
+        <p:nvSpPr>
+          <p:cNvPr id="3" name="Text 1"/>
+          <p:cNvSpPr/>
+          <p:nvPr/>
+        </p:nvSpPr>
+        <p:spPr>
+          <a:xfrm>
             <a:off x="0" y="914400"/>
             <a:ext cx="9144000" cy="1828800"/>
           </a:xfrm>
@@ -4196,35 +4708,33 @@
             <a:pPr algn="ctr" indent="0" marL="0">
               <a:buNone/>
             </a:pPr>
-            <a:r>
-              <a:rPr lang="en-US" sz="4800" dirty="0">
-                <a:solidFill>
-                  <a:srgbClr val="000000"/>
-                </a:solidFill>
-              </a:rPr>
-              <a:t>益々</a:t>
-            </a:r>
-            <a:endParaRPr lang="en-US" sz="4800" dirty="0"/>
-          </a:p>
-          <a:p>
-            <a:pPr algn="ctr" indent="0" marL="0">
-              <a:buNone/>
-            </a:pPr>
-            <a:r>
-              <a:rPr lang="en-US" sz="4800" dirty="0">
-                <a:solidFill>
-                  <a:srgbClr val="000000"/>
+            <a:endParaRPr lang="en-US" sz="3600" dirty="0"/>
+          </a:p>
+          <a:p>
+            <a:pPr algn="ctr" indent="0" marL="0">
+              <a:buNone/>
+            </a:pPr>
+            <a:endParaRPr lang="en-US" sz="3600" dirty="0"/>
+          </a:p>
+          <a:p>
+            <a:pPr algn="ctr" indent="0" marL="0">
+              <a:buNone/>
+            </a:pPr>
+            <a:r>
+              <a:rPr lang="en-US" sz="3600" dirty="0">
+                <a:solidFill>
+                  <a:srgbClr val="404040"/>
                 </a:solidFill>
               </a:rPr>
               <a:t>ますます</a:t>
             </a:r>
-            <a:endParaRPr lang="en-US" sz="4800" dirty="0"/>
-          </a:p>
-        </p:txBody>
-      </p:sp>
-      <p:sp>
-        <p:nvSpPr>
-          <p:cNvPr id="3" name="Text 1"/>
+            <a:endParaRPr lang="en-US" sz="3600" dirty="0"/>
+          </a:p>
+        </p:txBody>
+      </p:sp>
+      <p:sp>
+        <p:nvSpPr>
+          <p:cNvPr id="4" name="Text 2"/>
           <p:cNvSpPr/>
           <p:nvPr/>
         </p:nvSpPr>
@@ -4249,7 +4759,7 @@
             <a:r>
               <a:rPr lang="en-US" sz="3600" dirty="0">
                 <a:solidFill>
-                  <a:srgbClr val="000000"/>
+                  <a:srgbClr val="808080"/>
                 </a:solidFill>
               </a:rPr>
               <a:t>increasingly, more and more, decreasingly (when declining), less and less...</a:t>
@@ -4260,32 +4770,32 @@
       </p:sp>
       <p:sp>
         <p:nvSpPr>
-          <p:cNvPr id="4" name="Text 2"/>
-          <p:cNvSpPr/>
-          <p:nvPr/>
-        </p:nvSpPr>
-        <p:spPr>
-          <a:xfrm>
-            <a:off x="0" y="4572000"/>
-            <a:ext cx="7315200" cy="1828800"/>
-          </a:xfrm>
-          <a:prstGeom prst="rect">
-            <a:avLst/>
-          </a:prstGeom>
-          <a:noFill/>
-          <a:ln/>
-        </p:spPr>
-        <p:txBody>
-          <a:bodyPr wrap="square" rtlCol="0" anchor="ctr"/>
-          <a:lstStyle/>
-          <a:p>
-            <a:pPr algn="l" indent="0" marL="0">
+          <p:cNvPr id="5" name="Text 3"/>
+          <p:cNvSpPr/>
+          <p:nvPr/>
+        </p:nvSpPr>
+        <p:spPr>
+          <a:xfrm>
+            <a:off x="0" y="3657600"/>
+            <a:ext cx="8686800" cy="1828800"/>
+          </a:xfrm>
+          <a:prstGeom prst="rect">
+            <a:avLst/>
+          </a:prstGeom>
+          <a:noFill/>
+          <a:ln/>
+        </p:spPr>
+        <p:txBody>
+          <a:bodyPr wrap="square" rtlCol="0" anchor="ctr"/>
+          <a:lstStyle/>
+          <a:p>
+            <a:pPr algn="r" indent="0" marL="0">
               <a:buNone/>
             </a:pPr>
             <a:r>
               <a:rPr lang="en-US" sz="2400" dirty="0">
                 <a:solidFill>
-                  <a:srgbClr val="000000"/>
+                  <a:srgbClr val="808080"/>
                 </a:solidFill>
               </a:rPr>
               <a:t>526-540</a:t>

--- a/10|2-6/2023-10-6/goi-new.pptx
+++ b/10|2-6/2023-10-6/goi-new.pptx
@@ -2144,7 +2144,7 @@
                   <a:srgbClr val="000000"/>
                 </a:solidFill>
               </a:rPr>
-              <a:t>不足</a:t>
+              <a:t>進める</a:t>
             </a:r>
             <a:endParaRPr lang="en-US" sz="4800" dirty="0"/>
           </a:p>
@@ -2192,7 +2192,7 @@
                   <a:srgbClr val="404040"/>
                 </a:solidFill>
               </a:rPr>
-              <a:t>ふそく</a:t>
+              <a:t>すすめる</a:t>
             </a:r>
             <a:endParaRPr lang="en-US" sz="3600" dirty="0"/>
           </a:p>
@@ -2228,7 +2228,7 @@
                   <a:srgbClr val="808080"/>
                 </a:solidFill>
               </a:rPr>
-              <a:t>insufficiency, deficiency, shortage, lack, scarcity, deficit | dissatisfaction, discontent, complaint...</a:t>
+              <a:t>to advance, to move forward, to put (a clock, watch) forward | to carry forward (plans, work, etc.), to proceed with, to ...</a:t>
             </a:r>
             <a:endParaRPr lang="en-US" sz="3600" dirty="0"/>
           </a:p>
@@ -2264,7 +2264,7 @@
                   <a:srgbClr val="808080"/>
                 </a:solidFill>
               </a:rPr>
-              <a:t>526-540</a:t>
+              <a:t>511-525</a:t>
             </a:r>
             <a:endParaRPr lang="en-US" sz="2400" dirty="0"/>
           </a:p>
@@ -2325,7 +2325,7 @@
                   <a:srgbClr val="000000"/>
                 </a:solidFill>
               </a:rPr>
-              <a:t>高まる</a:t>
+              <a:t>都会</a:t>
             </a:r>
             <a:endParaRPr lang="en-US" sz="4800" dirty="0"/>
           </a:p>
@@ -2373,7 +2373,7 @@
                   <a:srgbClr val="404040"/>
                 </a:solidFill>
               </a:rPr>
-              <a:t>たかまる</a:t>
+              <a:t>とかい</a:t>
             </a:r>
             <a:endParaRPr lang="en-US" sz="3600" dirty="0"/>
           </a:p>
@@ -2409,7 +2409,7 @@
                   <a:srgbClr val="808080"/>
                 </a:solidFill>
               </a:rPr>
-              <a:t>to rise, to swell, to be promoted...</a:t>
+              <a:t>city | Tokyo Metropolitan Assembly...</a:t>
             </a:r>
             <a:endParaRPr lang="en-US" sz="3600" dirty="0"/>
           </a:p>
@@ -2445,7 +2445,7 @@
                   <a:srgbClr val="808080"/>
                 </a:solidFill>
               </a:rPr>
-              <a:t>526-540</a:t>
+              <a:t>511-525</a:t>
             </a:r>
             <a:endParaRPr lang="en-US" sz="2400" dirty="0"/>
           </a:p>
@@ -2506,7 +2506,7 @@
                   <a:srgbClr val="000000"/>
                 </a:solidFill>
               </a:rPr>
-              <a:t>言語</a:t>
+              <a:t>コンビニ</a:t>
             </a:r>
             <a:endParaRPr lang="en-US" sz="4800" dirty="0"/>
           </a:p>
@@ -2554,7 +2554,7 @@
                   <a:srgbClr val="404040"/>
                 </a:solidFill>
               </a:rPr>
-              <a:t>げんご</a:t>
+              <a:t>undefined</a:t>
             </a:r>
             <a:endParaRPr lang="en-US" sz="3600" dirty="0"/>
           </a:p>
@@ -2590,7 +2590,7 @@
                   <a:srgbClr val="808080"/>
                 </a:solidFill>
               </a:rPr>
-              <a:t>language...</a:t>
+              <a:t>convenience store...</a:t>
             </a:r>
             <a:endParaRPr lang="en-US" sz="3600" dirty="0"/>
           </a:p>
@@ -2626,7 +2626,7 @@
                   <a:srgbClr val="808080"/>
                 </a:solidFill>
               </a:rPr>
-              <a:t>526-540</a:t>
+              <a:t>511-525</a:t>
             </a:r>
             <a:endParaRPr lang="en-US" sz="2400" dirty="0"/>
           </a:p>
@@ -2687,7 +2687,7 @@
                   <a:srgbClr val="000000"/>
                 </a:solidFill>
               </a:rPr>
-              <a:t>深刻</a:t>
+              <a:t>営業</a:t>
             </a:r>
             <a:endParaRPr lang="en-US" sz="4800" dirty="0"/>
           </a:p>
@@ -2735,7 +2735,7 @@
                   <a:srgbClr val="404040"/>
                 </a:solidFill>
               </a:rPr>
-              <a:t>しんこく</a:t>
+              <a:t>えいぎょう</a:t>
             </a:r>
             <a:endParaRPr lang="en-US" sz="3600" dirty="0"/>
           </a:p>
@@ -2771,7 +2771,7 @@
                   <a:srgbClr val="808080"/>
                 </a:solidFill>
               </a:rPr>
-              <a:t>serious, severe, grave, acute...</a:t>
+              <a:t>business, trade, operations | sales...</a:t>
             </a:r>
             <a:endParaRPr lang="en-US" sz="3600" dirty="0"/>
           </a:p>
@@ -2807,7 +2807,7 @@
                   <a:srgbClr val="808080"/>
                 </a:solidFill>
               </a:rPr>
-              <a:t>526-540</a:t>
+              <a:t>511-525</a:t>
             </a:r>
             <a:endParaRPr lang="en-US" sz="2400" dirty="0"/>
           </a:p>
@@ -2868,7 +2868,7 @@
                   <a:srgbClr val="000000"/>
                 </a:solidFill>
               </a:rPr>
-              <a:t>事態</a:t>
+              <a:t>少子高齢化</a:t>
             </a:r>
             <a:endParaRPr lang="en-US" sz="4800" dirty="0"/>
           </a:p>
@@ -2916,7 +2916,7 @@
                   <a:srgbClr val="404040"/>
                 </a:solidFill>
               </a:rPr>
-              <a:t>じたい</a:t>
+              <a:t>しょうしこうれいか</a:t>
             </a:r>
             <a:endParaRPr lang="en-US" sz="3600" dirty="0"/>
           </a:p>
@@ -2952,7 +2952,7 @@
                   <a:srgbClr val="808080"/>
                 </a:solidFill>
               </a:rPr>
-              <a:t>situation, (present) state of affairs, circumstances...</a:t>
+              <a:t>decreasing birthrate and aging population, aging population combined with the diminishing number of children, declining b...</a:t>
             </a:r>
             <a:endParaRPr lang="en-US" sz="3600" dirty="0"/>
           </a:p>
@@ -2988,7 +2988,7 @@
                   <a:srgbClr val="808080"/>
                 </a:solidFill>
               </a:rPr>
-              <a:t>526-540</a:t>
+              <a:t>511-525</a:t>
             </a:r>
             <a:endParaRPr lang="en-US" sz="2400" dirty="0"/>
           </a:p>
@@ -3049,7 +3049,7 @@
                   <a:srgbClr val="000000"/>
                 </a:solidFill>
               </a:rPr>
-              <a:t>生</a:t>
+              <a:t>分野</a:t>
             </a:r>
             <a:endParaRPr lang="en-US" sz="4800" dirty="0"/>
           </a:p>
@@ -3097,7 +3097,7 @@
                   <a:srgbClr val="404040"/>
                 </a:solidFill>
               </a:rPr>
-              <a:t>せい</a:t>
+              <a:t>ぶんや</a:t>
             </a:r>
             <a:endParaRPr lang="en-US" sz="3600" dirty="0"/>
           </a:p>
@@ -3133,7 +3133,7 @@
                   <a:srgbClr val="808080"/>
                 </a:solidFill>
               </a:rPr>
-              <a:t>life, living | I, me, myself | student...</a:t>
+              <a:t>field, sphere, realm, division, branch...</a:t>
             </a:r>
             <a:endParaRPr lang="en-US" sz="3600" dirty="0"/>
           </a:p>
@@ -3169,7 +3169,7 @@
                   <a:srgbClr val="808080"/>
                 </a:solidFill>
               </a:rPr>
-              <a:t>526-540</a:t>
+              <a:t>511-525</a:t>
             </a:r>
             <a:endParaRPr lang="en-US" sz="2400" dirty="0"/>
           </a:p>
@@ -3230,7 +3230,7 @@
                   <a:srgbClr val="000000"/>
                 </a:solidFill>
               </a:rPr>
-              <a:t>国語</a:t>
+              <a:t>人材</a:t>
             </a:r>
             <a:endParaRPr lang="en-US" sz="4800" dirty="0"/>
           </a:p>
@@ -3278,7 +3278,7 @@
                   <a:srgbClr val="404040"/>
                 </a:solidFill>
               </a:rPr>
-              <a:t>こくご</a:t>
+              <a:t>じんざい</a:t>
             </a:r>
             <a:endParaRPr lang="en-US" sz="3600" dirty="0"/>
           </a:p>
@@ -3314,7 +3314,7 @@
                   <a:srgbClr val="808080"/>
                 </a:solidFill>
               </a:rPr>
-              <a:t>national language | Japanese language (esp. as a school subject in Japan) | one's native language, mother tongue | native...</a:t>
+              <a:t>capable person, talented person | human resources, personnel...</a:t>
             </a:r>
             <a:endParaRPr lang="en-US" sz="3600" dirty="0"/>
           </a:p>
@@ -3350,7 +3350,7 @@
                   <a:srgbClr val="808080"/>
                 </a:solidFill>
               </a:rPr>
-              <a:t>526-540</a:t>
+              <a:t>511-525</a:t>
             </a:r>
             <a:endParaRPr lang="en-US" sz="2400" dirty="0"/>
           </a:p>
@@ -3411,7 +3411,7 @@
                   <a:srgbClr val="000000"/>
                 </a:solidFill>
               </a:rPr>
-              <a:t>受け入れる</a:t>
+              <a:t>行き成り</a:t>
             </a:r>
             <a:endParaRPr lang="en-US" sz="4800" dirty="0"/>
           </a:p>
@@ -3459,7 +3459,7 @@
                   <a:srgbClr val="404040"/>
                 </a:solidFill>
               </a:rPr>
-              <a:t>うけいれる</a:t>
+              <a:t>いきなり</a:t>
             </a:r>
             <a:endParaRPr lang="en-US" sz="3600" dirty="0"/>
           </a:p>
@@ -3495,7 +3495,7 @@
                   <a:srgbClr val="808080"/>
                 </a:solidFill>
               </a:rPr>
-              <a:t>to accept, to receive, to agree...</a:t>
+              <a:t>abruptly, suddenly, all of a sudden, without warning...</a:t>
             </a:r>
             <a:endParaRPr lang="en-US" sz="3600" dirty="0"/>
           </a:p>
@@ -3531,7 +3531,7 @@
                   <a:srgbClr val="808080"/>
                 </a:solidFill>
               </a:rPr>
-              <a:t>526-540</a:t>
+              <a:t>511-525</a:t>
             </a:r>
             <a:endParaRPr lang="en-US" sz="2400" dirty="0"/>
           </a:p>
@@ -3592,7 +3592,7 @@
                   <a:srgbClr val="000000"/>
                 </a:solidFill>
               </a:rPr>
-              <a:t>増やす</a:t>
+              <a:t>思考</a:t>
             </a:r>
             <a:endParaRPr lang="en-US" sz="4800" dirty="0"/>
           </a:p>
@@ -3640,7 +3640,7 @@
                   <a:srgbClr val="404040"/>
                 </a:solidFill>
               </a:rPr>
-              <a:t>ふやす</a:t>
+              <a:t>しこう</a:t>
             </a:r>
             <a:endParaRPr lang="en-US" sz="3600" dirty="0"/>
           </a:p>
@@ -3676,7 +3676,7 @@
                   <a:srgbClr val="808080"/>
                 </a:solidFill>
               </a:rPr>
-              <a:t>to increase, to add to, to augment...</a:t>
+              <a:t>thought, consideration, thinking...</a:t>
             </a:r>
             <a:endParaRPr lang="en-US" sz="3600" dirty="0"/>
           </a:p>
@@ -3712,7 +3712,7 @@
                   <a:srgbClr val="808080"/>
                 </a:solidFill>
               </a:rPr>
-              <a:t>526-540</a:t>
+              <a:t>511-525</a:t>
             </a:r>
             <a:endParaRPr lang="en-US" sz="2400" dirty="0"/>
           </a:p>
@@ -3773,7 +3773,7 @@
                   <a:srgbClr val="000000"/>
                 </a:solidFill>
               </a:rPr>
-              <a:t>タイプ</a:t>
+              <a:t>切り替える</a:t>
             </a:r>
             <a:endParaRPr lang="en-US" sz="4800" dirty="0"/>
           </a:p>
@@ -3821,7 +3821,7 @@
                   <a:srgbClr val="404040"/>
                 </a:solidFill>
               </a:rPr>
-              <a:t>undefined</a:t>
+              <a:t>きりかえる</a:t>
             </a:r>
             <a:endParaRPr lang="en-US" sz="3600" dirty="0"/>
           </a:p>
@@ -3857,7 +3857,7 @@
                   <a:srgbClr val="808080"/>
                 </a:solidFill>
               </a:rPr>
-              <a:t>type, kind, sort, style | type (of person), (ideal) type, one's type | typewriter | typing...</a:t>
+              <a:t>to change, to exchange, to convert, to renew, to throw a switch, to replace, to switch over...</a:t>
             </a:r>
             <a:endParaRPr lang="en-US" sz="3600" dirty="0"/>
           </a:p>
@@ -3893,7 +3893,7 @@
                   <a:srgbClr val="808080"/>
                 </a:solidFill>
               </a:rPr>
-              <a:t>526-540</a:t>
+              <a:t>511-525</a:t>
             </a:r>
             <a:endParaRPr lang="en-US" sz="2400" dirty="0"/>
           </a:p>
@@ -3954,7 +3954,7 @@
                   <a:srgbClr val="000000"/>
                 </a:solidFill>
               </a:rPr>
-              <a:t>前提</a:t>
+              <a:t>初心者</a:t>
             </a:r>
             <a:endParaRPr lang="en-US" sz="4800" dirty="0"/>
           </a:p>
@@ -4002,7 +4002,7 @@
                   <a:srgbClr val="404040"/>
                 </a:solidFill>
               </a:rPr>
-              <a:t>ぜんてい</a:t>
+              <a:t>しょしんしゃ</a:t>
             </a:r>
             <a:endParaRPr lang="en-US" sz="3600" dirty="0"/>
           </a:p>
@@ -4038,7 +4038,7 @@
                   <a:srgbClr val="808080"/>
                 </a:solidFill>
               </a:rPr>
-              <a:t>condition, assumption, prerequisite, hypothesis | intention, intent, aim, goal | premise (in logic)...</a:t>
+              <a:t>beginner...</a:t>
             </a:r>
             <a:endParaRPr lang="en-US" sz="3600" dirty="0"/>
           </a:p>
@@ -4074,7 +4074,7 @@
                   <a:srgbClr val="808080"/>
                 </a:solidFill>
               </a:rPr>
-              <a:t>526-540</a:t>
+              <a:t>511-525</a:t>
             </a:r>
             <a:endParaRPr lang="en-US" sz="2400" dirty="0"/>
           </a:p>
@@ -4135,7 +4135,7 @@
                   <a:srgbClr val="000000"/>
                 </a:solidFill>
               </a:rPr>
-              <a:t>中でも</a:t>
+              <a:t>頃</a:t>
             </a:r>
             <a:endParaRPr lang="en-US" sz="4800" dirty="0"/>
           </a:p>
@@ -4183,7 +4183,7 @@
                   <a:srgbClr val="404040"/>
                 </a:solidFill>
               </a:rPr>
-              <a:t>なかでも</a:t>
+              <a:t>ころ</a:t>
             </a:r>
             <a:endParaRPr lang="en-US" sz="3600" dirty="0"/>
           </a:p>
@@ -4219,7 +4219,7 @@
                   <a:srgbClr val="808080"/>
                 </a:solidFill>
               </a:rPr>
-              <a:t>among (other things), especially, particularly, inter alia, above all (else)...</a:t>
+              <a:t>(approximate) time, around, about, toward | suitable time (or condition) | time of year, season...</a:t>
             </a:r>
             <a:endParaRPr lang="en-US" sz="3600" dirty="0"/>
           </a:p>
@@ -4255,7 +4255,7 @@
                   <a:srgbClr val="808080"/>
                 </a:solidFill>
               </a:rPr>
-              <a:t>526-540</a:t>
+              <a:t>511-525</a:t>
             </a:r>
             <a:endParaRPr lang="en-US" sz="2400" dirty="0"/>
           </a:p>
@@ -4316,7 +4316,7 @@
                   <a:srgbClr val="000000"/>
                 </a:solidFill>
               </a:rPr>
-              <a:t>大国</a:t>
+              <a:t>何となく</a:t>
             </a:r>
             <a:endParaRPr lang="en-US" sz="4800" dirty="0"/>
           </a:p>
@@ -4364,7 +4364,7 @@
                   <a:srgbClr val="404040"/>
                 </a:solidFill>
               </a:rPr>
-              <a:t>たいこく</a:t>
+              <a:t>なんとなく</a:t>
             </a:r>
             <a:endParaRPr lang="en-US" sz="3600" dirty="0"/>
           </a:p>
@@ -4400,7 +4400,7 @@
                   <a:srgbClr val="808080"/>
                 </a:solidFill>
               </a:rPr>
-              <a:t>large country, major nation, great power | province of the highest rank (ritsuryō system)...</a:t>
+              <a:t>somehow or other, for some reason or another, without knowing why...</a:t>
             </a:r>
             <a:endParaRPr lang="en-US" sz="3600" dirty="0"/>
           </a:p>
@@ -4436,7 +4436,7 @@
                   <a:srgbClr val="808080"/>
                 </a:solidFill>
               </a:rPr>
-              <a:t>526-540</a:t>
+              <a:t>511-525</a:t>
             </a:r>
             <a:endParaRPr lang="en-US" sz="2400" dirty="0"/>
           </a:p>
@@ -4497,7 +4497,7 @@
                   <a:srgbClr val="000000"/>
                 </a:solidFill>
               </a:rPr>
-              <a:t>力</a:t>
+              <a:t>お喋り</a:t>
             </a:r>
             <a:endParaRPr lang="en-US" sz="4800" dirty="0"/>
           </a:p>
@@ -4545,7 +4545,7 @@
                   <a:srgbClr val="404040"/>
                 </a:solidFill>
               </a:rPr>
-              <a:t>りょく</a:t>
+              <a:t>おしゃべり</a:t>
             </a:r>
             <a:endParaRPr lang="en-US" sz="3600" dirty="0"/>
           </a:p>
@@ -4581,7 +4581,7 @@
                   <a:srgbClr val="808080"/>
                 </a:solidFill>
               </a:rPr>
-              <a:t>strength, power, proficiency, ability...</a:t>
+              <a:t>chattering, talk, idle talk, chat, chitchat, gossip | chatty, talkative, chatterbox, blabbermouth...</a:t>
             </a:r>
             <a:endParaRPr lang="en-US" sz="3600" dirty="0"/>
           </a:p>
@@ -4617,7 +4617,7 @@
                   <a:srgbClr val="808080"/>
                 </a:solidFill>
               </a:rPr>
-              <a:t>526-540</a:t>
+              <a:t>511-525</a:t>
             </a:r>
             <a:endParaRPr lang="en-US" sz="2400" dirty="0"/>
           </a:p>
@@ -4678,7 +4678,7 @@
                   <a:srgbClr val="000000"/>
                 </a:solidFill>
               </a:rPr>
-              <a:t>益々</a:t>
+              <a:t>ゲーム</a:t>
             </a:r>
             <a:endParaRPr lang="en-US" sz="4800" dirty="0"/>
           </a:p>
@@ -4726,7 +4726,7 @@
                   <a:srgbClr val="404040"/>
                 </a:solidFill>
               </a:rPr>
-              <a:t>ますます</a:t>
+              <a:t>undefined</a:t>
             </a:r>
             <a:endParaRPr lang="en-US" sz="3600" dirty="0"/>
           </a:p>
@@ -4762,7 +4762,7 @@
                   <a:srgbClr val="808080"/>
                 </a:solidFill>
               </a:rPr>
-              <a:t>increasingly, more and more, decreasingly (when declining), less and less...</a:t>
+              <a:t>game...</a:t>
             </a:r>
             <a:endParaRPr lang="en-US" sz="3600" dirty="0"/>
           </a:p>
@@ -4798,7 +4798,7 @@
                   <a:srgbClr val="808080"/>
                 </a:solidFill>
               </a:rPr>
-              <a:t>526-540</a:t>
+              <a:t>511-525</a:t>
             </a:r>
             <a:endParaRPr lang="en-US" sz="2400" dirty="0"/>
           </a:p>
